--- a/Fall_2018/Slides/12-Distributed_DBMS_Reliability-2.pptx
+++ b/Fall_2018/Slides/12-Distributed_DBMS_Reliability-2.pptx
@@ -5,10 +5,10 @@
     <p:sldMasterId id="2147483696" r:id="rId1"/>
   </p:sldMasterIdLst>
   <p:notesMasterIdLst>
-    <p:notesMasterId r:id="rId24"/>
+    <p:notesMasterId r:id="rId37"/>
   </p:notesMasterIdLst>
   <p:handoutMasterIdLst>
-    <p:handoutMasterId r:id="rId25"/>
+    <p:handoutMasterId r:id="rId38"/>
   </p:handoutMasterIdLst>
   <p:sldIdLst>
     <p:sldId id="256" r:id="rId2"/>
@@ -33,6 +33,19 @@
     <p:sldId id="745" r:id="rId21"/>
     <p:sldId id="746" r:id="rId22"/>
     <p:sldId id="747" r:id="rId23"/>
+    <p:sldId id="748" r:id="rId24"/>
+    <p:sldId id="749" r:id="rId25"/>
+    <p:sldId id="750" r:id="rId26"/>
+    <p:sldId id="751" r:id="rId27"/>
+    <p:sldId id="752" r:id="rId28"/>
+    <p:sldId id="753" r:id="rId29"/>
+    <p:sldId id="754" r:id="rId30"/>
+    <p:sldId id="755" r:id="rId31"/>
+    <p:sldId id="756" r:id="rId32"/>
+    <p:sldId id="758" r:id="rId33"/>
+    <p:sldId id="760" r:id="rId34"/>
+    <p:sldId id="759" r:id="rId35"/>
+    <p:sldId id="757" r:id="rId36"/>
   </p:sldIdLst>
   <p:sldSz cx="9144000" cy="6858000" type="screen4x3"/>
   <p:notesSz cx="6858000" cy="9144000"/>
@@ -271,7 +284,7 @@
               <a:pPr>
                 <a:defRPr/>
               </a:pPr>
-              <a:t>11/22/18</a:t>
+              <a:t>11/29/18</a:t>
             </a:fld>
             <a:endParaRPr lang="en-US"/>
           </a:p>
@@ -467,7 +480,7 @@
               <a:pPr>
                 <a:defRPr/>
               </a:pPr>
-              <a:t>2018/11/22</a:t>
+              <a:t>2018/11/29</a:t>
             </a:fld>
             <a:endParaRPr lang="zh-CN" altLang="en-US"/>
           </a:p>
@@ -1370,7 +1383,7 @@
               <a:pPr>
                 <a:defRPr/>
               </a:pPr>
-              <a:t>2018/11/22</a:t>
+              <a:t>2018/11/29</a:t>
             </a:fld>
             <a:endParaRPr lang="zh-CN" altLang="en-US"/>
           </a:p>
@@ -1576,7 +1589,7 @@
               <a:pPr>
                 <a:defRPr/>
               </a:pPr>
-              <a:t>2018/11/22</a:t>
+              <a:t>2018/11/29</a:t>
             </a:fld>
             <a:endParaRPr lang="zh-CN" altLang="en-US"/>
           </a:p>
@@ -1791,7 +1804,7 @@
               <a:pPr>
                 <a:defRPr/>
               </a:pPr>
-              <a:t>2018/11/22</a:t>
+              <a:t>2018/11/29</a:t>
             </a:fld>
             <a:endParaRPr lang="zh-CN" altLang="en-US"/>
           </a:p>
@@ -1996,7 +2009,7 @@
               <a:pPr>
                 <a:defRPr/>
               </a:pPr>
-              <a:t>2018/11/22</a:t>
+              <a:t>2018/11/29</a:t>
             </a:fld>
             <a:endParaRPr lang="zh-CN" altLang="en-US"/>
           </a:p>
@@ -2524,7 +2537,7 @@
               <a:pPr>
                 <a:defRPr/>
               </a:pPr>
-              <a:t>2018/11/22</a:t>
+              <a:t>2018/11/29</a:t>
             </a:fld>
             <a:endParaRPr lang="zh-CN" altLang="en-US"/>
           </a:p>
@@ -2829,7 +2842,7 @@
               <a:pPr>
                 <a:defRPr/>
               </a:pPr>
-              <a:t>2018/11/22</a:t>
+              <a:t>2018/11/29</a:t>
             </a:fld>
             <a:endParaRPr lang="zh-CN" altLang="en-US"/>
           </a:p>
@@ -3349,7 +3362,7 @@
               <a:pPr>
                 <a:defRPr/>
               </a:pPr>
-              <a:t>2018/11/22</a:t>
+              <a:t>2018/11/29</a:t>
             </a:fld>
             <a:endParaRPr lang="zh-CN" altLang="en-US"/>
           </a:p>
@@ -3506,7 +3519,7 @@
               <a:pPr>
                 <a:defRPr/>
               </a:pPr>
-              <a:t>2018/11/22</a:t>
+              <a:t>2018/11/29</a:t>
             </a:fld>
             <a:endParaRPr lang="zh-CN" altLang="en-US"/>
           </a:p>
@@ -3756,7 +3769,7 @@
               <a:pPr>
                 <a:defRPr/>
               </a:pPr>
-              <a:t>2018/11/22</a:t>
+              <a:t>2018/11/29</a:t>
             </a:fld>
             <a:endParaRPr lang="zh-CN" altLang="en-US"/>
           </a:p>
@@ -4054,7 +4067,7 @@
               <a:pPr>
                 <a:defRPr/>
               </a:pPr>
-              <a:t>2018/11/22</a:t>
+              <a:t>2018/11/29</a:t>
             </a:fld>
             <a:endParaRPr lang="zh-CN" altLang="en-US"/>
           </a:p>
@@ -4526,7 +4539,7 @@
               <a:pPr>
                 <a:defRPr/>
               </a:pPr>
-              <a:t>2018/11/22</a:t>
+              <a:t>2018/11/29</a:t>
             </a:fld>
             <a:endParaRPr lang="zh-CN" altLang="en-US"/>
           </a:p>
@@ -5098,7 +5111,7 @@
               <a:pPr>
                 <a:defRPr/>
               </a:pPr>
-              <a:t>2018/11/22</a:t>
+              <a:t>2018/11/29</a:t>
             </a:fld>
             <a:endParaRPr lang="zh-CN" altLang="en-US"/>
           </a:p>
@@ -5918,264 +5931,243 @@
       </p:sp>
       <p:sp>
         <p:nvSpPr>
-          <p:cNvPr id="15364" name="Slide Number Placeholder 7"/>
-          <p:cNvSpPr>
-            <a:spLocks noGrp="1"/>
-          </p:cNvSpPr>
-          <p:nvPr>
-            <p:ph type="sldNum" sz="quarter" idx="12"/>
-          </p:nvPr>
-        </p:nvSpPr>
-        <p:spPr bwMode="auto">
+          <p:cNvPr id="4" name="TextBox 3"/>
+          <p:cNvSpPr txBox="1"/>
+          <p:nvPr/>
+        </p:nvSpPr>
+        <p:spPr>
+          <a:xfrm>
+            <a:off x="5580112" y="6188978"/>
+            <a:ext cx="3563888" cy="646331"/>
+          </a:xfrm>
+          <a:prstGeom prst="rect">
+            <a:avLst/>
+          </a:prstGeom>
           <a:noFill/>
-          <a:extLst>
-            <a:ext uri="{909E8E84-426E-40DD-AFC4-6F175D3DCCD1}">
-              <a14:hiddenFill xmlns:a14="http://schemas.microsoft.com/office/drawing/2010/main">
-                <a:solidFill>
-                  <a:srgbClr val="FFFFFF"/>
-                </a:solidFill>
-              </a14:hiddenFill>
-            </a:ext>
-            <a:ext uri="{91240B29-F687-4F45-9708-019B960494DF}">
-              <a14:hiddenLine xmlns:a14="http://schemas.microsoft.com/office/drawing/2010/main" w="9525">
-                <a:solidFill>
-                  <a:srgbClr val="000000"/>
-                </a:solidFill>
-                <a:miter lim="800000"/>
-                <a:headEnd/>
-                <a:tailEnd/>
-              </a14:hiddenLine>
-            </a:ext>
-          </a:extLst>
         </p:spPr>
         <p:txBody>
-          <a:bodyPr/>
-          <a:lstStyle>
-            <a:lvl1pPr>
-              <a:spcBef>
-                <a:spcPts val="600"/>
-              </a:spcBef>
-              <a:buClr>
-                <a:schemeClr val="accent1"/>
-              </a:buClr>
-              <a:buSzPct val="80000"/>
-              <a:buFont typeface="Wingdings 2" charset="2"/>
-              <a:buChar char=""/>
-              <a:defRPr sz="3200">
-                <a:solidFill>
-                  <a:schemeClr val="tx1"/>
-                </a:solidFill>
-                <a:latin typeface="Gill Sans MT" charset="0"/>
-                <a:ea typeface="华文中宋" charset="-122"/>
-              </a:defRPr>
-            </a:lvl1pPr>
-            <a:lvl2pPr marL="742950" indent="-285750">
-              <a:spcBef>
-                <a:spcPts val="550"/>
-              </a:spcBef>
-              <a:buClr>
-                <a:schemeClr val="accent1"/>
-              </a:buClr>
-              <a:buFont typeface="Verdana" charset="0"/>
-              <a:buChar char="◦"/>
-              <a:defRPr sz="2800">
-                <a:solidFill>
-                  <a:schemeClr val="tx1"/>
-                </a:solidFill>
-                <a:latin typeface="Gill Sans MT" charset="0"/>
-                <a:ea typeface="华文中宋" charset="-122"/>
-              </a:defRPr>
-            </a:lvl2pPr>
-            <a:lvl3pPr marL="1143000" indent="-228600">
-              <a:spcBef>
-                <a:spcPct val="20000"/>
-              </a:spcBef>
-              <a:buClr>
-                <a:schemeClr val="accent2"/>
-              </a:buClr>
-              <a:buFont typeface="Wingdings 2" charset="2"/>
-              <a:buChar char=""/>
-              <a:defRPr sz="2400">
-                <a:solidFill>
-                  <a:schemeClr val="tx1"/>
-                </a:solidFill>
-                <a:latin typeface="Gill Sans MT" charset="0"/>
-                <a:ea typeface="华文中宋" charset="-122"/>
-              </a:defRPr>
-            </a:lvl3pPr>
-            <a:lvl4pPr marL="1600200" indent="-228600">
-              <a:spcBef>
-                <a:spcPct val="20000"/>
-              </a:spcBef>
-              <a:buClr>
-                <a:srgbClr val="9BBB59"/>
-              </a:buClr>
-              <a:buFont typeface="Wingdings 2" charset="2"/>
-              <a:buChar char=""/>
-              <a:defRPr sz="2000">
-                <a:solidFill>
-                  <a:schemeClr val="tx1"/>
-                </a:solidFill>
-                <a:latin typeface="Gill Sans MT" charset="0"/>
-                <a:ea typeface="华文中宋" charset="-122"/>
-              </a:defRPr>
-            </a:lvl4pPr>
-            <a:lvl5pPr marL="2057400" indent="-228600">
-              <a:spcBef>
-                <a:spcPct val="20000"/>
-              </a:spcBef>
-              <a:buClr>
-                <a:srgbClr val="8064A2"/>
-              </a:buClr>
-              <a:buFont typeface="Wingdings 2" charset="2"/>
-              <a:buChar char=""/>
-              <a:defRPr sz="2000">
-                <a:solidFill>
-                  <a:schemeClr val="tx1"/>
-                </a:solidFill>
-                <a:latin typeface="Gill Sans MT" charset="0"/>
-                <a:ea typeface="华文中宋" charset="-122"/>
-              </a:defRPr>
-            </a:lvl5pPr>
-            <a:lvl6pPr marL="2514600" indent="-228600" eaLnBrk="0" fontAlgn="base" hangingPunct="0">
-              <a:spcBef>
-                <a:spcPct val="20000"/>
-              </a:spcBef>
-              <a:spcAft>
-                <a:spcPct val="0"/>
-              </a:spcAft>
-              <a:buClr>
-                <a:srgbClr val="8064A2"/>
-              </a:buClr>
-              <a:buFont typeface="Wingdings 2" charset="2"/>
-              <a:buChar char=""/>
-              <a:defRPr sz="2000">
-                <a:solidFill>
-                  <a:schemeClr val="tx1"/>
-                </a:solidFill>
-                <a:latin typeface="Gill Sans MT" charset="0"/>
-                <a:ea typeface="华文中宋" charset="-122"/>
-              </a:defRPr>
-            </a:lvl6pPr>
-            <a:lvl7pPr marL="2971800" indent="-228600" eaLnBrk="0" fontAlgn="base" hangingPunct="0">
-              <a:spcBef>
-                <a:spcPct val="20000"/>
-              </a:spcBef>
-              <a:spcAft>
-                <a:spcPct val="0"/>
-              </a:spcAft>
-              <a:buClr>
-                <a:srgbClr val="8064A2"/>
-              </a:buClr>
-              <a:buFont typeface="Wingdings 2" charset="2"/>
-              <a:buChar char=""/>
-              <a:defRPr sz="2000">
-                <a:solidFill>
-                  <a:schemeClr val="tx1"/>
-                </a:solidFill>
-                <a:latin typeface="Gill Sans MT" charset="0"/>
-                <a:ea typeface="华文中宋" charset="-122"/>
-              </a:defRPr>
-            </a:lvl7pPr>
-            <a:lvl8pPr marL="3429000" indent="-228600" eaLnBrk="0" fontAlgn="base" hangingPunct="0">
-              <a:spcBef>
-                <a:spcPct val="20000"/>
-              </a:spcBef>
-              <a:spcAft>
-                <a:spcPct val="0"/>
-              </a:spcAft>
-              <a:buClr>
-                <a:srgbClr val="8064A2"/>
-              </a:buClr>
-              <a:buFont typeface="Wingdings 2" charset="2"/>
-              <a:buChar char=""/>
-              <a:defRPr sz="2000">
-                <a:solidFill>
-                  <a:schemeClr val="tx1"/>
-                </a:solidFill>
-                <a:latin typeface="Gill Sans MT" charset="0"/>
-                <a:ea typeface="华文中宋" charset="-122"/>
-              </a:defRPr>
-            </a:lvl8pPr>
-            <a:lvl9pPr marL="3886200" indent="-228600" eaLnBrk="0" fontAlgn="base" hangingPunct="0">
-              <a:spcBef>
-                <a:spcPct val="20000"/>
-              </a:spcBef>
-              <a:spcAft>
-                <a:spcPct val="0"/>
-              </a:spcAft>
-              <a:buClr>
-                <a:srgbClr val="8064A2"/>
-              </a:buClr>
-              <a:buFont typeface="Wingdings 2" charset="2"/>
-              <a:buChar char=""/>
-              <a:defRPr sz="2000">
-                <a:solidFill>
-                  <a:schemeClr val="tx1"/>
-                </a:solidFill>
-                <a:latin typeface="Gill Sans MT" charset="0"/>
-                <a:ea typeface="华文中宋" charset="-122"/>
-              </a:defRPr>
-            </a:lvl9pPr>
-          </a:lstStyle>
-          <a:p>
-            <a:pPr>
-              <a:spcBef>
-                <a:spcPct val="0"/>
-              </a:spcBef>
-              <a:buClrTx/>
-              <a:buSzTx/>
-              <a:buFontTx/>
-              <a:buNone/>
-            </a:pPr>
-            <a:fld id="{0BC8B225-EDC5-0C4E-A446-B2628CAB040F}" type="slidenum">
-              <a:rPr lang="zh-CN" altLang="en-US" sz="1200">
-                <a:solidFill>
-                  <a:srgbClr val="B4B1A0"/>
+          <a:bodyPr wrap="square" rtlCol="0">
+            <a:spAutoFit/>
+          </a:bodyPr>
+          <a:lstStyle/>
+          <a:p>
+            <a:r>
+              <a:rPr lang="en-US" altLang="zh-CN" dirty="0" smtClean="0">
+                <a:solidFill>
+                  <a:schemeClr val="tx1">
+                    <a:lumMod val="50000"/>
+                    <a:lumOff val="50000"/>
+                  </a:schemeClr>
                 </a:solidFill>
               </a:rPr>
-              <a:pPr>
-                <a:spcBef>
-                  <a:spcPct val="0"/>
-                </a:spcBef>
-                <a:buClrTx/>
-                <a:buSzTx/>
-                <a:buFontTx/>
-                <a:buNone/>
-              </a:pPr>
-              <a:t>1</a:t>
-            </a:fld>
-            <a:endParaRPr lang="zh-CN" altLang="en-US" sz="1200">
+              <a:t>Some</a:t>
+            </a:r>
+            <a:r>
+              <a:rPr lang="zh-CN" altLang="en-US" dirty="0" smtClean="0">
+                <a:solidFill>
+                  <a:schemeClr val="tx1">
+                    <a:lumMod val="50000"/>
+                    <a:lumOff val="50000"/>
+                  </a:schemeClr>
+                </a:solidFill>
+              </a:rPr>
+              <a:t> </a:t>
+            </a:r>
+            <a:r>
+              <a:rPr lang="en-US" altLang="zh-CN" dirty="0" smtClean="0">
+                <a:solidFill>
+                  <a:schemeClr val="tx1">
+                    <a:lumMod val="50000"/>
+                    <a:lumOff val="50000"/>
+                  </a:schemeClr>
+                </a:solidFill>
+              </a:rPr>
+              <a:t>parts</a:t>
+            </a:r>
+            <a:r>
+              <a:rPr lang="zh-CN" altLang="en-US" dirty="0" smtClean="0">
+                <a:solidFill>
+                  <a:schemeClr val="tx1">
+                    <a:lumMod val="50000"/>
+                    <a:lumOff val="50000"/>
+                  </a:schemeClr>
+                </a:solidFill>
+              </a:rPr>
+              <a:t> </a:t>
+            </a:r>
+            <a:r>
+              <a:rPr lang="en-US" altLang="zh-CN" dirty="0" smtClean="0">
+                <a:solidFill>
+                  <a:schemeClr val="tx1">
+                    <a:lumMod val="50000"/>
+                    <a:lumOff val="50000"/>
+                  </a:schemeClr>
+                </a:solidFill>
+              </a:rPr>
+              <a:t>of</a:t>
+            </a:r>
+            <a:r>
+              <a:rPr lang="zh-CN" altLang="en-US" dirty="0" smtClean="0">
+                <a:solidFill>
+                  <a:schemeClr val="tx1">
+                    <a:lumMod val="50000"/>
+                    <a:lumOff val="50000"/>
+                  </a:schemeClr>
+                </a:solidFill>
+              </a:rPr>
+              <a:t> </a:t>
+            </a:r>
+            <a:r>
+              <a:rPr lang="en-US" altLang="zh-CN" dirty="0" smtClean="0">
+                <a:solidFill>
+                  <a:schemeClr val="tx1">
+                    <a:lumMod val="50000"/>
+                    <a:lumOff val="50000"/>
+                  </a:schemeClr>
+                </a:solidFill>
+              </a:rPr>
+              <a:t>the</a:t>
+            </a:r>
+            <a:r>
+              <a:rPr lang="zh-CN" altLang="en-US" dirty="0" smtClean="0">
+                <a:solidFill>
+                  <a:schemeClr val="tx1">
+                    <a:lumMod val="50000"/>
+                    <a:lumOff val="50000"/>
+                  </a:schemeClr>
+                </a:solidFill>
+              </a:rPr>
+              <a:t> </a:t>
+            </a:r>
+            <a:r>
+              <a:rPr lang="en-US" altLang="zh-CN" dirty="0" smtClean="0">
+                <a:solidFill>
+                  <a:schemeClr val="tx1">
+                    <a:lumMod val="50000"/>
+                    <a:lumOff val="50000"/>
+                  </a:schemeClr>
+                </a:solidFill>
+              </a:rPr>
+              <a:t>slides</a:t>
+            </a:r>
+            <a:r>
+              <a:rPr lang="zh-CN" altLang="en-US" dirty="0" smtClean="0">
+                <a:solidFill>
+                  <a:schemeClr val="tx1">
+                    <a:lumMod val="50000"/>
+                    <a:lumOff val="50000"/>
+                  </a:schemeClr>
+                </a:solidFill>
+              </a:rPr>
+              <a:t> </a:t>
+            </a:r>
+            <a:r>
+              <a:rPr lang="en-US" altLang="zh-CN" dirty="0" smtClean="0">
+                <a:solidFill>
+                  <a:schemeClr val="tx1">
+                    <a:lumMod val="50000"/>
+                    <a:lumOff val="50000"/>
+                  </a:schemeClr>
+                </a:solidFill>
+              </a:rPr>
+              <a:t>are</a:t>
+            </a:r>
+            <a:r>
+              <a:rPr lang="zh-CN" altLang="en-US" dirty="0" smtClean="0">
+                <a:solidFill>
+                  <a:schemeClr val="tx1">
+                    <a:lumMod val="50000"/>
+                    <a:lumOff val="50000"/>
+                  </a:schemeClr>
+                </a:solidFill>
+              </a:rPr>
+              <a:t> </a:t>
+            </a:r>
+            <a:r>
+              <a:rPr lang="en-US" altLang="zh-CN" dirty="0" smtClean="0">
+                <a:solidFill>
+                  <a:schemeClr val="tx1">
+                    <a:lumMod val="50000"/>
+                    <a:lumOff val="50000"/>
+                  </a:schemeClr>
+                </a:solidFill>
+              </a:rPr>
+              <a:t>borrowed</a:t>
+            </a:r>
+            <a:r>
+              <a:rPr lang="zh-CN" altLang="en-US" dirty="0" smtClean="0">
+                <a:solidFill>
+                  <a:schemeClr val="tx1">
+                    <a:lumMod val="50000"/>
+                    <a:lumOff val="50000"/>
+                  </a:schemeClr>
+                </a:solidFill>
+              </a:rPr>
+              <a:t> </a:t>
+            </a:r>
+            <a:r>
+              <a:rPr lang="en-US" altLang="zh-CN" dirty="0" smtClean="0">
+                <a:solidFill>
+                  <a:schemeClr val="tx1">
+                    <a:lumMod val="50000"/>
+                    <a:lumOff val="50000"/>
+                  </a:schemeClr>
+                </a:solidFill>
+              </a:rPr>
+              <a:t>from</a:t>
+            </a:r>
+            <a:r>
+              <a:rPr lang="zh-CN" altLang="en-US" dirty="0" smtClean="0">
+                <a:solidFill>
+                  <a:schemeClr val="tx1">
+                    <a:lumMod val="50000"/>
+                    <a:lumOff val="50000"/>
+                  </a:schemeClr>
+                </a:solidFill>
+              </a:rPr>
+              <a:t> </a:t>
+            </a:r>
+            <a:r>
+              <a:rPr lang="en-US" altLang="zh-CN" dirty="0" smtClean="0">
+                <a:solidFill>
+                  <a:schemeClr val="tx1">
+                    <a:lumMod val="50000"/>
+                    <a:lumOff val="50000"/>
+                  </a:schemeClr>
+                </a:solidFill>
+              </a:rPr>
+              <a:t>Stanford</a:t>
+            </a:r>
+            <a:r>
+              <a:rPr lang="zh-CN" altLang="en-US" dirty="0" smtClean="0">
+                <a:solidFill>
+                  <a:schemeClr val="tx1">
+                    <a:lumMod val="50000"/>
+                    <a:lumOff val="50000"/>
+                  </a:schemeClr>
+                </a:solidFill>
+              </a:rPr>
+              <a:t> </a:t>
+            </a:r>
+            <a:r>
+              <a:rPr lang="en-US" altLang="zh-CN" dirty="0" smtClean="0">
+                <a:solidFill>
+                  <a:schemeClr val="tx1">
+                    <a:lumMod val="50000"/>
+                    <a:lumOff val="50000"/>
+                  </a:schemeClr>
+                </a:solidFill>
+              </a:rPr>
+              <a:t>CS347</a:t>
+            </a:r>
+            <a:endParaRPr lang="en-US" dirty="0">
               <a:solidFill>
-                <a:srgbClr val="B4B1A0"/>
+                <a:schemeClr val="tx1">
+                  <a:lumMod val="50000"/>
+                  <a:lumOff val="50000"/>
+                </a:schemeClr>
               </a:solidFill>
             </a:endParaRPr>
-          </a:p>
-        </p:txBody>
-      </p:sp>
-      <p:sp>
-        <p:nvSpPr>
-          <p:cNvPr id="9" name="Footer Placeholder 8"/>
-          <p:cNvSpPr>
-            <a:spLocks noGrp="1"/>
-          </p:cNvSpPr>
-          <p:nvPr>
-            <p:ph type="ftr" sz="quarter" idx="11"/>
-          </p:nvPr>
-        </p:nvSpPr>
-        <p:spPr/>
-        <p:txBody>
-          <a:bodyPr/>
-          <a:lstStyle/>
-          <a:p>
-            <a:pPr>
-              <a:defRPr/>
-            </a:pPr>
-            <a:r>
-              <a:rPr lang="en-US" altLang="zh-CN" dirty="0"/>
-              <a:t>Distributed Database Systems</a:t>
-            </a:r>
-            <a:endParaRPr lang="zh-CN" altLang="en-US" dirty="0"/>
           </a:p>
         </p:txBody>
       </p:sp>
@@ -6701,7 +6693,6 @@
               <a:rPr lang="en-US" dirty="0"/>
               <a:t>considered here </a:t>
             </a:r>
-            <a:endParaRPr lang="en-US" dirty="0"/>
           </a:p>
         </p:txBody>
       </p:sp>
@@ -6862,7 +6853,6 @@
               <a:rPr lang="en-US" dirty="0"/>
               <a:t>No spontaneous messages </a:t>
             </a:r>
-            <a:endParaRPr lang="en-US" dirty="0"/>
           </a:p>
           <a:p>
             <a:endParaRPr lang="en-US" dirty="0" smtClean="0"/>
@@ -6885,7 +6875,6 @@
               <a:rPr lang="en-US" dirty="0"/>
               <a:t>Nodes can have different views of the failures </a:t>
             </a:r>
-            <a:endParaRPr lang="en-US" dirty="0"/>
           </a:p>
         </p:txBody>
       </p:sp>
@@ -7273,7 +7262,6 @@
               <a:rPr lang="en-US" dirty="0"/>
               <a:t>No data replication (1) </a:t>
             </a:r>
-            <a:endParaRPr lang="en-US" dirty="0"/>
           </a:p>
           <a:p>
             <a:pPr lvl="1"/>
@@ -7281,7 +7269,6 @@
               <a:rPr lang="en-US" dirty="0"/>
               <a:t>Data replication (2) </a:t>
             </a:r>
-            <a:endParaRPr lang="en-US" dirty="0"/>
           </a:p>
           <a:p>
             <a:r>
@@ -7300,7 +7287,6 @@
               <a:rPr lang="en-US" dirty="0"/>
               <a:t>Fail-stop nodes (3) </a:t>
             </a:r>
-            <a:endParaRPr lang="en-US" dirty="0"/>
           </a:p>
           <a:p>
             <a:endParaRPr lang="en-US" dirty="0"/>
@@ -7948,7 +7934,6 @@
               <a:rPr lang="en-US" dirty="0"/>
               <a:t>2PC involves one coordinator at the originating site and more than one participant from other sites. </a:t>
             </a:r>
-            <a:endParaRPr lang="en-US" dirty="0"/>
           </a:p>
           <a:p>
             <a:endParaRPr lang="en-US" dirty="0"/>
@@ -8090,7 +8075,6 @@
               <a:rPr lang="en-US" dirty="0"/>
               <a:t>The coordinator sends a message to all participants asking if they are ready to commit, and every participant answers if it's ready or not according to its own condition. </a:t>
             </a:r>
-            <a:endParaRPr lang="en-US" dirty="0"/>
           </a:p>
           <a:p>
             <a:endParaRPr lang="en-US" dirty="0"/>
@@ -8393,7 +8377,6 @@
               <a:rPr lang="en-US" dirty="0"/>
               <a:t>The coordinator makes the final decision global commit if all participants answer yes in phase 1, or global abort otherwise, and inform the decision to all participants. All participants take actions accordingly. </a:t>
             </a:r>
-            <a:endParaRPr lang="en-US" dirty="0"/>
           </a:p>
           <a:p>
             <a:endParaRPr lang="en-US" dirty="0"/>
@@ -8531,8 +8514,8 @@
         </p:blipFill>
         <p:spPr>
           <a:xfrm>
-            <a:off x="1435100" y="2086156"/>
-            <a:ext cx="7499350" cy="3523888"/>
+            <a:off x="1074754" y="1844824"/>
+            <a:ext cx="7859696" cy="3693212"/>
           </a:xfrm>
         </p:spPr>
       </p:pic>
@@ -8681,7 +8664,6 @@
               <a:rPr lang="en-US" dirty="0"/>
               <a:t>Will discuss node failures next </a:t>
             </a:r>
-            <a:endParaRPr lang="en-US" dirty="0"/>
           </a:p>
           <a:p>
             <a:r>
@@ -8714,7 +8696,6 @@
               <a:rPr lang="en-US" dirty="0"/>
               <a:t>It can only abort or commit if so instructed by the coordinator </a:t>
             </a:r>
-            <a:endParaRPr lang="en-US" dirty="0"/>
           </a:p>
           <a:p>
             <a:r>
@@ -8733,7 +8714,6 @@
               <a:rPr lang="en-US" dirty="0"/>
               <a:t>commit </a:t>
             </a:r>
-            <a:endParaRPr lang="en-US" dirty="0"/>
           </a:p>
           <a:p>
             <a:endParaRPr lang="en-US" dirty="0"/>
@@ -8799,6 +8779,1633 @@
     <p:extLst>
       <p:ext uri="{BB962C8B-B14F-4D97-AF65-F5344CB8AC3E}">
         <p14:creationId xmlns:p14="http://schemas.microsoft.com/office/powerpoint/2010/main" val="116584823"/>
+      </p:ext>
+    </p:extLst>
+  </p:cSld>
+  <p:clrMapOvr>
+    <a:masterClrMapping/>
+  </p:clrMapOvr>
+</p:sld>
+</file>
+
+<file path=ppt/slides/slide23.xml><?xml version="1.0" encoding="utf-8"?>
+<p:sld xmlns:a="http://schemas.openxmlformats.org/drawingml/2006/main" xmlns:r="http://schemas.openxmlformats.org/officeDocument/2006/relationships" xmlns:p="http://schemas.openxmlformats.org/presentationml/2006/main">
+  <p:cSld>
+    <p:spTree>
+      <p:nvGrpSpPr>
+        <p:cNvPr id="1" name=""/>
+        <p:cNvGrpSpPr/>
+        <p:nvPr/>
+      </p:nvGrpSpPr>
+      <p:grpSpPr>
+        <a:xfrm>
+          <a:off x="0" y="0"/>
+          <a:ext cx="0" cy="0"/>
+          <a:chOff x="0" y="0"/>
+          <a:chExt cx="0" cy="0"/>
+        </a:xfrm>
+      </p:grpSpPr>
+      <p:sp>
+        <p:nvSpPr>
+          <p:cNvPr id="2" name="Title 1"/>
+          <p:cNvSpPr>
+            <a:spLocks noGrp="1"/>
+          </p:cNvSpPr>
+          <p:nvPr>
+            <p:ph type="title"/>
+          </p:nvPr>
+        </p:nvSpPr>
+        <p:spPr/>
+        <p:txBody>
+          <a:bodyPr/>
+          <a:lstStyle/>
+          <a:p>
+            <a:r>
+              <a:rPr lang="en-US" dirty="0">
+                <a:effectLst/>
+              </a:rPr>
+              <a:t>Observations </a:t>
+            </a:r>
+            <a:endParaRPr lang="en-US" dirty="0"/>
+          </a:p>
+        </p:txBody>
+      </p:sp>
+      <p:sp>
+        <p:nvSpPr>
+          <p:cNvPr id="3" name="Content Placeholder 2"/>
+          <p:cNvSpPr>
+            <a:spLocks noGrp="1"/>
+          </p:cNvSpPr>
+          <p:nvPr>
+            <p:ph idx="1"/>
+          </p:nvPr>
+        </p:nvSpPr>
+        <p:spPr/>
+        <p:txBody>
+          <a:bodyPr/>
+          <a:lstStyle/>
+          <a:p>
+            <a:r>
+              <a:rPr lang="en-US" sz="2600" dirty="0"/>
+              <a:t>A participant can unilaterally abort before he answers "yes". </a:t>
+            </a:r>
+          </a:p>
+          <a:p>
+            <a:r>
+              <a:rPr lang="en-US" sz="2600" dirty="0" smtClean="0"/>
+              <a:t>Once </a:t>
+            </a:r>
+            <a:r>
+              <a:rPr lang="en-US" sz="2600" dirty="0"/>
+              <a:t>a participant answers "yes", it must prepare for commit and cannot change its vote. </a:t>
+            </a:r>
+          </a:p>
+          <a:p>
+            <a:r>
+              <a:rPr lang="en-US" sz="2600" dirty="0" smtClean="0"/>
+              <a:t>While </a:t>
+            </a:r>
+            <a:r>
+              <a:rPr lang="en-US" sz="2600" dirty="0"/>
+              <a:t>a participant is READY, it can either to abort, or to commit, depending on the decision from the coordinator. </a:t>
+            </a:r>
+          </a:p>
+          <a:p>
+            <a:r>
+              <a:rPr lang="en-US" altLang="zh-CN" sz="2600" dirty="0"/>
+              <a:t>T</a:t>
+            </a:r>
+            <a:r>
+              <a:rPr lang="en-US" sz="2600" dirty="0" smtClean="0"/>
+              <a:t>he </a:t>
+            </a:r>
+            <a:r>
+              <a:rPr lang="en-US" sz="2600" dirty="0"/>
+              <a:t>global termination is commit if all participants vote "yes", or abort if any participant vote "no”. </a:t>
+            </a:r>
+          </a:p>
+          <a:p>
+            <a:r>
+              <a:rPr lang="en-US" sz="2600" dirty="0" smtClean="0"/>
+              <a:t>The </a:t>
+            </a:r>
+            <a:r>
+              <a:rPr lang="en-US" sz="2600" dirty="0"/>
+              <a:t>coordinator and participants may be in some waiting state, time-out method can be used to exit. </a:t>
+            </a:r>
+          </a:p>
+        </p:txBody>
+      </p:sp>
+      <p:sp>
+        <p:nvSpPr>
+          <p:cNvPr id="4" name="Footer Placeholder 3"/>
+          <p:cNvSpPr>
+            <a:spLocks noGrp="1"/>
+          </p:cNvSpPr>
+          <p:nvPr>
+            <p:ph type="ftr" sz="quarter" idx="11"/>
+          </p:nvPr>
+        </p:nvSpPr>
+        <p:spPr/>
+        <p:txBody>
+          <a:bodyPr/>
+          <a:lstStyle/>
+          <a:p>
+            <a:pPr>
+              <a:defRPr/>
+            </a:pPr>
+            <a:r>
+              <a:rPr lang="en-US" altLang="zh-CN" smtClean="0"/>
+              <a:t>Distributed Database Systems</a:t>
+            </a:r>
+            <a:endParaRPr lang="zh-CN" altLang="en-US"/>
+          </a:p>
+        </p:txBody>
+      </p:sp>
+      <p:sp>
+        <p:nvSpPr>
+          <p:cNvPr id="5" name="Slide Number Placeholder 4"/>
+          <p:cNvSpPr>
+            <a:spLocks noGrp="1"/>
+          </p:cNvSpPr>
+          <p:nvPr>
+            <p:ph type="sldNum" sz="quarter" idx="12"/>
+          </p:nvPr>
+        </p:nvSpPr>
+        <p:spPr/>
+        <p:txBody>
+          <a:bodyPr/>
+          <a:lstStyle/>
+          <a:p>
+            <a:pPr>
+              <a:defRPr/>
+            </a:pPr>
+            <a:fld id="{07A5CAEE-885A-5D41-93DF-9DC29A9FE4F0}" type="slidenum">
+              <a:rPr lang="zh-CN" altLang="en-US" smtClean="0"/>
+              <a:pPr>
+                <a:defRPr/>
+              </a:pPr>
+              <a:t>23</a:t>
+            </a:fld>
+            <a:endParaRPr lang="zh-CN" altLang="en-US"/>
+          </a:p>
+        </p:txBody>
+      </p:sp>
+    </p:spTree>
+    <p:extLst>
+      <p:ext uri="{BB962C8B-B14F-4D97-AF65-F5344CB8AC3E}">
+        <p14:creationId xmlns:p14="http://schemas.microsoft.com/office/powerpoint/2010/main" val="994142775"/>
+      </p:ext>
+    </p:extLst>
+  </p:cSld>
+  <p:clrMapOvr>
+    <a:masterClrMapping/>
+  </p:clrMapOvr>
+</p:sld>
+</file>
+
+<file path=ppt/slides/slide24.xml><?xml version="1.0" encoding="utf-8"?>
+<p:sld xmlns:a="http://schemas.openxmlformats.org/drawingml/2006/main" xmlns:r="http://schemas.openxmlformats.org/officeDocument/2006/relationships" xmlns:p="http://schemas.openxmlformats.org/presentationml/2006/main">
+  <p:cSld>
+    <p:spTree>
+      <p:nvGrpSpPr>
+        <p:cNvPr id="1" name=""/>
+        <p:cNvGrpSpPr/>
+        <p:nvPr/>
+      </p:nvGrpSpPr>
+      <p:grpSpPr>
+        <a:xfrm>
+          <a:off x="0" y="0"/>
+          <a:ext cx="0" cy="0"/>
+          <a:chOff x="0" y="0"/>
+          <a:chExt cx="0" cy="0"/>
+        </a:xfrm>
+      </p:grpSpPr>
+      <p:sp>
+        <p:nvSpPr>
+          <p:cNvPr id="3" name="Content Placeholder 2"/>
+          <p:cNvSpPr>
+            <a:spLocks noGrp="1"/>
+          </p:cNvSpPr>
+          <p:nvPr>
+            <p:ph idx="1"/>
+          </p:nvPr>
+        </p:nvSpPr>
+        <p:spPr/>
+        <p:txBody>
+          <a:bodyPr/>
+          <a:lstStyle/>
+          <a:p>
+            <a:r>
+              <a:rPr lang="en-US" dirty="0"/>
+              <a:t>At failing </a:t>
+            </a:r>
+            <a:r>
+              <a:rPr lang="en-US" dirty="0" smtClean="0"/>
+              <a:t>node</a:t>
+            </a:r>
+          </a:p>
+          <a:p>
+            <a:pPr lvl="1"/>
+            <a:r>
+              <a:rPr lang="en-US" dirty="0"/>
+              <a:t>Coordinator and participant logs are used to reconstruct state before </a:t>
+            </a:r>
+            <a:r>
+              <a:rPr lang="en-US" dirty="0" smtClean="0"/>
+              <a:t>failure</a:t>
+            </a:r>
+          </a:p>
+          <a:p>
+            <a:r>
+              <a:rPr lang="en-US" altLang="zh-CN" dirty="0" smtClean="0"/>
+              <a:t>Example:</a:t>
+            </a:r>
+            <a:r>
+              <a:rPr lang="zh-CN" altLang="en-US" dirty="0" smtClean="0"/>
+              <a:t> </a:t>
+            </a:r>
+            <a:r>
+              <a:rPr lang="en-US" altLang="zh-CN" dirty="0" smtClean="0"/>
+              <a:t>the</a:t>
+            </a:r>
+            <a:r>
+              <a:rPr lang="zh-CN" altLang="en-US" dirty="0" smtClean="0"/>
+              <a:t> </a:t>
+            </a:r>
+            <a:r>
+              <a:rPr lang="en-US" altLang="zh-CN" dirty="0" smtClean="0"/>
+              <a:t>failing</a:t>
+            </a:r>
+            <a:r>
+              <a:rPr lang="zh-CN" altLang="en-US" dirty="0" smtClean="0"/>
+              <a:t> </a:t>
+            </a:r>
+            <a:r>
+              <a:rPr lang="en-US" altLang="zh-CN" dirty="0" smtClean="0"/>
+              <a:t>node</a:t>
+            </a:r>
+            <a:r>
+              <a:rPr lang="zh-CN" altLang="en-US" dirty="0" smtClean="0"/>
+              <a:t> </a:t>
+            </a:r>
+            <a:r>
+              <a:rPr lang="en-US" altLang="zh-CN" dirty="0" smtClean="0"/>
+              <a:t>is</a:t>
+            </a:r>
+            <a:r>
+              <a:rPr lang="zh-CN" altLang="en-US" dirty="0" smtClean="0"/>
+              <a:t> </a:t>
+            </a:r>
+            <a:r>
+              <a:rPr lang="en-US" altLang="zh-CN" dirty="0" smtClean="0"/>
+              <a:t>a</a:t>
+            </a:r>
+            <a:r>
+              <a:rPr lang="zh-CN" altLang="en-US" dirty="0" smtClean="0"/>
+              <a:t> </a:t>
+            </a:r>
+            <a:r>
+              <a:rPr lang="en-US" altLang="zh-CN" dirty="0" smtClean="0"/>
+              <a:t>participant</a:t>
+            </a:r>
+          </a:p>
+          <a:p>
+            <a:pPr lvl="1"/>
+            <a:r>
+              <a:rPr lang="en-US" altLang="zh-CN" dirty="0"/>
+              <a:t>Participant log contains </a:t>
+            </a:r>
+            <a:r>
+              <a:rPr lang="en-US" altLang="zh-CN" b="1" dirty="0">
+                <a:solidFill>
+                  <a:srgbClr val="FF0000"/>
+                </a:solidFill>
+              </a:rPr>
+              <a:t>W</a:t>
+            </a:r>
+            <a:r>
+              <a:rPr lang="en-US" altLang="zh-CN" dirty="0"/>
+              <a:t> on </a:t>
+            </a:r>
+            <a:r>
+              <a:rPr lang="en-US" altLang="zh-CN" dirty="0" smtClean="0"/>
+              <a:t>recovery</a:t>
+            </a:r>
+          </a:p>
+          <a:p>
+            <a:pPr lvl="1"/>
+            <a:endParaRPr lang="en-US" altLang="zh-CN" dirty="0"/>
+          </a:p>
+          <a:p>
+            <a:pPr lvl="1"/>
+            <a:endParaRPr lang="en-US" altLang="zh-CN" dirty="0" smtClean="0"/>
+          </a:p>
+          <a:p>
+            <a:pPr lvl="1"/>
+            <a:endParaRPr lang="en-US" altLang="zh-CN" dirty="0"/>
+          </a:p>
+          <a:p>
+            <a:pPr lvl="1">
+              <a:spcBef>
+                <a:spcPts val="1750"/>
+              </a:spcBef>
+            </a:pPr>
+            <a:r>
+              <a:rPr lang="en-US" altLang="zh-CN" dirty="0" smtClean="0"/>
+              <a:t>How</a:t>
+            </a:r>
+            <a:r>
+              <a:rPr lang="zh-CN" altLang="en-US" dirty="0" smtClean="0"/>
+              <a:t> </a:t>
+            </a:r>
+            <a:r>
+              <a:rPr lang="en-US" altLang="zh-CN" dirty="0" smtClean="0"/>
+              <a:t>to</a:t>
+            </a:r>
+            <a:r>
+              <a:rPr lang="zh-CN" altLang="en-US" dirty="0" smtClean="0"/>
+              <a:t> </a:t>
+            </a:r>
+            <a:r>
+              <a:rPr lang="en-US" altLang="zh-CN" dirty="0" smtClean="0"/>
+              <a:t>perform</a:t>
+            </a:r>
+            <a:r>
+              <a:rPr lang="zh-CN" altLang="en-US" dirty="0" smtClean="0"/>
+              <a:t> </a:t>
+            </a:r>
+            <a:r>
+              <a:rPr lang="en-US" altLang="zh-CN" dirty="0" smtClean="0"/>
+              <a:t>the</a:t>
+            </a:r>
+            <a:r>
+              <a:rPr lang="zh-CN" altLang="en-US" dirty="0" smtClean="0"/>
+              <a:t> </a:t>
+            </a:r>
+            <a:r>
+              <a:rPr lang="en-US" altLang="zh-CN" dirty="0" smtClean="0"/>
+              <a:t>recovery?</a:t>
+            </a:r>
+          </a:p>
+          <a:p>
+            <a:pPr lvl="1"/>
+            <a:endParaRPr lang="en-US" dirty="0"/>
+          </a:p>
+        </p:txBody>
+      </p:sp>
+      <p:pic>
+        <p:nvPicPr>
+          <p:cNvPr id="6" name="Picture 5"/>
+          <p:cNvPicPr>
+            <a:picLocks noChangeAspect="1"/>
+          </p:cNvPicPr>
+          <p:nvPr/>
+        </p:nvPicPr>
+        <p:blipFill>
+          <a:blip r:embed="rId2">
+            <a:extLst>
+              <a:ext uri="{28A0092B-C50C-407E-A947-70E740481C1C}">
+                <a14:useLocalDpi xmlns:a14="http://schemas.microsoft.com/office/drawing/2010/main" val="0"/>
+              </a:ext>
+            </a:extLst>
+          </a:blip>
+          <a:stretch>
+            <a:fillRect/>
+          </a:stretch>
+        </p:blipFill>
+        <p:spPr>
+          <a:xfrm>
+            <a:off x="1845417" y="4005064"/>
+            <a:ext cx="6678716" cy="1771312"/>
+          </a:xfrm>
+          <a:prstGeom prst="rect">
+            <a:avLst/>
+          </a:prstGeom>
+        </p:spPr>
+      </p:pic>
+      <p:sp>
+        <p:nvSpPr>
+          <p:cNvPr id="2" name="Title 1"/>
+          <p:cNvSpPr>
+            <a:spLocks noGrp="1"/>
+          </p:cNvSpPr>
+          <p:nvPr>
+            <p:ph type="title"/>
+          </p:nvPr>
+        </p:nvSpPr>
+        <p:spPr/>
+        <p:txBody>
+          <a:bodyPr/>
+          <a:lstStyle/>
+          <a:p>
+            <a:r>
+              <a:rPr lang="en-US" dirty="0"/>
+              <a:t>Handling Node Failures</a:t>
+            </a:r>
+          </a:p>
+        </p:txBody>
+      </p:sp>
+      <p:sp>
+        <p:nvSpPr>
+          <p:cNvPr id="4" name="Footer Placeholder 3"/>
+          <p:cNvSpPr>
+            <a:spLocks noGrp="1"/>
+          </p:cNvSpPr>
+          <p:nvPr>
+            <p:ph type="ftr" sz="quarter" idx="11"/>
+          </p:nvPr>
+        </p:nvSpPr>
+        <p:spPr/>
+        <p:txBody>
+          <a:bodyPr/>
+          <a:lstStyle/>
+          <a:p>
+            <a:pPr>
+              <a:defRPr/>
+            </a:pPr>
+            <a:r>
+              <a:rPr lang="en-US" altLang="zh-CN" smtClean="0"/>
+              <a:t>Distributed Database Systems</a:t>
+            </a:r>
+            <a:endParaRPr lang="zh-CN" altLang="en-US"/>
+          </a:p>
+        </p:txBody>
+      </p:sp>
+      <p:sp>
+        <p:nvSpPr>
+          <p:cNvPr id="5" name="Slide Number Placeholder 4"/>
+          <p:cNvSpPr>
+            <a:spLocks noGrp="1"/>
+          </p:cNvSpPr>
+          <p:nvPr>
+            <p:ph type="sldNum" sz="quarter" idx="12"/>
+          </p:nvPr>
+        </p:nvSpPr>
+        <p:spPr/>
+        <p:txBody>
+          <a:bodyPr/>
+          <a:lstStyle/>
+          <a:p>
+            <a:pPr>
+              <a:defRPr/>
+            </a:pPr>
+            <a:fld id="{07A5CAEE-885A-5D41-93DF-9DC29A9FE4F0}" type="slidenum">
+              <a:rPr lang="zh-CN" altLang="en-US" smtClean="0"/>
+              <a:pPr>
+                <a:defRPr/>
+              </a:pPr>
+              <a:t>24</a:t>
+            </a:fld>
+            <a:endParaRPr lang="zh-CN" altLang="en-US"/>
+          </a:p>
+        </p:txBody>
+      </p:sp>
+    </p:spTree>
+    <p:extLst>
+      <p:ext uri="{BB962C8B-B14F-4D97-AF65-F5344CB8AC3E}">
+        <p14:creationId xmlns:p14="http://schemas.microsoft.com/office/powerpoint/2010/main" val="846492331"/>
+      </p:ext>
+    </p:extLst>
+  </p:cSld>
+  <p:clrMapOvr>
+    <a:masterClrMapping/>
+  </p:clrMapOvr>
+</p:sld>
+</file>
+
+<file path=ppt/slides/slide25.xml><?xml version="1.0" encoding="utf-8"?>
+<p:sld xmlns:a="http://schemas.openxmlformats.org/drawingml/2006/main" xmlns:r="http://schemas.openxmlformats.org/officeDocument/2006/relationships" xmlns:p="http://schemas.openxmlformats.org/presentationml/2006/main">
+  <p:cSld>
+    <p:spTree>
+      <p:nvGrpSpPr>
+        <p:cNvPr id="1" name=""/>
+        <p:cNvGrpSpPr/>
+        <p:nvPr/>
+      </p:nvGrpSpPr>
+      <p:grpSpPr>
+        <a:xfrm>
+          <a:off x="0" y="0"/>
+          <a:ext cx="0" cy="0"/>
+          <a:chOff x="0" y="0"/>
+          <a:chExt cx="0" cy="0"/>
+        </a:xfrm>
+      </p:grpSpPr>
+      <p:sp>
+        <p:nvSpPr>
+          <p:cNvPr id="2" name="Title 1"/>
+          <p:cNvSpPr>
+            <a:spLocks noGrp="1"/>
+          </p:cNvSpPr>
+          <p:nvPr>
+            <p:ph type="title"/>
+          </p:nvPr>
+        </p:nvSpPr>
+        <p:spPr/>
+        <p:txBody>
+          <a:bodyPr/>
+          <a:lstStyle/>
+          <a:p>
+            <a:r>
+              <a:rPr lang="en-US" dirty="0"/>
+              <a:t>Handling Node Failures</a:t>
+            </a:r>
+          </a:p>
+        </p:txBody>
+      </p:sp>
+      <p:sp>
+        <p:nvSpPr>
+          <p:cNvPr id="3" name="Content Placeholder 2"/>
+          <p:cNvSpPr>
+            <a:spLocks noGrp="1"/>
+          </p:cNvSpPr>
+          <p:nvPr>
+            <p:ph idx="1"/>
+          </p:nvPr>
+        </p:nvSpPr>
+        <p:spPr>
+          <a:xfrm>
+            <a:off x="1435100" y="1447800"/>
+            <a:ext cx="7499350" cy="5077544"/>
+          </a:xfrm>
+        </p:spPr>
+        <p:txBody>
+          <a:bodyPr/>
+          <a:lstStyle/>
+          <a:p>
+            <a:r>
+              <a:rPr lang="en-US" altLang="zh-CN" dirty="0"/>
+              <a:t>Example:</a:t>
+            </a:r>
+            <a:r>
+              <a:rPr lang="zh-CN" altLang="en-US" dirty="0"/>
+              <a:t> </a:t>
+            </a:r>
+            <a:r>
+              <a:rPr lang="en-US" altLang="zh-CN" dirty="0"/>
+              <a:t>the</a:t>
+            </a:r>
+            <a:r>
+              <a:rPr lang="zh-CN" altLang="en-US" dirty="0"/>
+              <a:t> </a:t>
+            </a:r>
+            <a:r>
+              <a:rPr lang="en-US" altLang="zh-CN" dirty="0"/>
+              <a:t>failing</a:t>
+            </a:r>
+            <a:r>
+              <a:rPr lang="zh-CN" altLang="en-US" dirty="0"/>
+              <a:t> </a:t>
+            </a:r>
+            <a:r>
+              <a:rPr lang="en-US" altLang="zh-CN" dirty="0"/>
+              <a:t>node</a:t>
+            </a:r>
+            <a:r>
+              <a:rPr lang="zh-CN" altLang="en-US" dirty="0"/>
+              <a:t> </a:t>
+            </a:r>
+            <a:r>
+              <a:rPr lang="en-US" altLang="zh-CN" dirty="0"/>
+              <a:t>is</a:t>
+            </a:r>
+            <a:r>
+              <a:rPr lang="zh-CN" altLang="en-US" dirty="0"/>
+              <a:t> </a:t>
+            </a:r>
+            <a:r>
+              <a:rPr lang="en-US" altLang="zh-CN" dirty="0"/>
+              <a:t>a</a:t>
+            </a:r>
+            <a:r>
+              <a:rPr lang="zh-CN" altLang="en-US" dirty="0"/>
+              <a:t> </a:t>
+            </a:r>
+            <a:r>
+              <a:rPr lang="en-US" altLang="zh-CN" dirty="0"/>
+              <a:t>participant</a:t>
+            </a:r>
+          </a:p>
+          <a:p>
+            <a:pPr lvl="1"/>
+            <a:r>
+              <a:rPr lang="en-US" altLang="zh-CN" dirty="0"/>
+              <a:t>Participant log contains </a:t>
+            </a:r>
+            <a:r>
+              <a:rPr lang="en-US" altLang="zh-CN" b="1" dirty="0">
+                <a:solidFill>
+                  <a:srgbClr val="FF0000"/>
+                </a:solidFill>
+              </a:rPr>
+              <a:t>W</a:t>
+            </a:r>
+            <a:r>
+              <a:rPr lang="en-US" altLang="zh-CN" dirty="0"/>
+              <a:t> on </a:t>
+            </a:r>
+            <a:r>
+              <a:rPr lang="en-US" altLang="zh-CN" dirty="0" smtClean="0"/>
+              <a:t>recovery</a:t>
+            </a:r>
+          </a:p>
+          <a:p>
+            <a:pPr lvl="1"/>
+            <a:endParaRPr lang="en-US" altLang="zh-CN" dirty="0"/>
+          </a:p>
+          <a:p>
+            <a:pPr lvl="1"/>
+            <a:endParaRPr lang="en-US" altLang="zh-CN" dirty="0" smtClean="0"/>
+          </a:p>
+          <a:p>
+            <a:pPr lvl="1"/>
+            <a:endParaRPr lang="en-US" altLang="zh-CN" dirty="0"/>
+          </a:p>
+          <a:p>
+            <a:pPr lvl="1">
+              <a:spcBef>
+                <a:spcPts val="2350"/>
+              </a:spcBef>
+            </a:pPr>
+            <a:r>
+              <a:rPr lang="en-US" altLang="zh-CN" dirty="0" smtClean="0"/>
+              <a:t>Recovery steps:</a:t>
+            </a:r>
+          </a:p>
+          <a:p>
+            <a:pPr marL="1114425" lvl="2" indent="-457200">
+              <a:buFont typeface="+mj-lt"/>
+              <a:buAutoNum type="arabicPeriod"/>
+            </a:pPr>
+            <a:r>
+              <a:rPr lang="en-US" altLang="zh-CN" dirty="0" smtClean="0"/>
+              <a:t>Notice </a:t>
+            </a:r>
+            <a:r>
+              <a:rPr lang="en-US" altLang="zh-CN" dirty="0"/>
+              <a:t>that T1 is in </a:t>
+            </a:r>
+            <a:r>
+              <a:rPr lang="en-US" altLang="zh-CN" b="1" dirty="0">
+                <a:solidFill>
+                  <a:srgbClr val="FF0000"/>
+                </a:solidFill>
+              </a:rPr>
+              <a:t>W</a:t>
+            </a:r>
+            <a:r>
+              <a:rPr lang="en-US" altLang="zh-CN" dirty="0"/>
+              <a:t> </a:t>
+            </a:r>
+            <a:r>
+              <a:rPr lang="en-US" altLang="zh-CN" dirty="0" smtClean="0"/>
+              <a:t>state</a:t>
+            </a:r>
+          </a:p>
+          <a:p>
+            <a:pPr marL="1114425" lvl="2" indent="-457200">
+              <a:buFont typeface="+mj-lt"/>
+              <a:buAutoNum type="arabicPeriod"/>
+            </a:pPr>
+            <a:r>
+              <a:rPr lang="en-US" altLang="zh-CN" dirty="0" smtClean="0"/>
+              <a:t>Obtain </a:t>
+            </a:r>
+            <a:r>
+              <a:rPr lang="en-US" altLang="zh-CN" dirty="0"/>
+              <a:t>X, Y write locks (no read locks—why</a:t>
+            </a:r>
+            <a:r>
+              <a:rPr lang="en-US" altLang="zh-CN" dirty="0" smtClean="0"/>
+              <a:t>?)</a:t>
+            </a:r>
+          </a:p>
+          <a:p>
+            <a:pPr marL="1114425" lvl="2" indent="-457200">
+              <a:buFont typeface="+mj-lt"/>
+              <a:buAutoNum type="arabicPeriod"/>
+            </a:pPr>
+            <a:r>
+              <a:rPr lang="en-US" altLang="zh-CN" dirty="0" smtClean="0"/>
+              <a:t> Wait </a:t>
+            </a:r>
+            <a:r>
+              <a:rPr lang="en-US" altLang="zh-CN" dirty="0"/>
+              <a:t>for message from coordinator (or ask about outcome)</a:t>
+            </a:r>
+          </a:p>
+          <a:p>
+            <a:endParaRPr lang="en-US" dirty="0"/>
+          </a:p>
+        </p:txBody>
+      </p:sp>
+      <p:sp>
+        <p:nvSpPr>
+          <p:cNvPr id="4" name="Footer Placeholder 3"/>
+          <p:cNvSpPr>
+            <a:spLocks noGrp="1"/>
+          </p:cNvSpPr>
+          <p:nvPr>
+            <p:ph type="ftr" sz="quarter" idx="11"/>
+          </p:nvPr>
+        </p:nvSpPr>
+        <p:spPr/>
+        <p:txBody>
+          <a:bodyPr/>
+          <a:lstStyle/>
+          <a:p>
+            <a:pPr>
+              <a:defRPr/>
+            </a:pPr>
+            <a:r>
+              <a:rPr lang="en-US" altLang="zh-CN" smtClean="0"/>
+              <a:t>Distributed Database Systems</a:t>
+            </a:r>
+            <a:endParaRPr lang="zh-CN" altLang="en-US"/>
+          </a:p>
+        </p:txBody>
+      </p:sp>
+      <p:sp>
+        <p:nvSpPr>
+          <p:cNvPr id="5" name="Slide Number Placeholder 4"/>
+          <p:cNvSpPr>
+            <a:spLocks noGrp="1"/>
+          </p:cNvSpPr>
+          <p:nvPr>
+            <p:ph type="sldNum" sz="quarter" idx="12"/>
+          </p:nvPr>
+        </p:nvSpPr>
+        <p:spPr/>
+        <p:txBody>
+          <a:bodyPr/>
+          <a:lstStyle/>
+          <a:p>
+            <a:pPr>
+              <a:defRPr/>
+            </a:pPr>
+            <a:fld id="{07A5CAEE-885A-5D41-93DF-9DC29A9FE4F0}" type="slidenum">
+              <a:rPr lang="zh-CN" altLang="en-US" smtClean="0"/>
+              <a:pPr>
+                <a:defRPr/>
+              </a:pPr>
+              <a:t>25</a:t>
+            </a:fld>
+            <a:endParaRPr lang="zh-CN" altLang="en-US"/>
+          </a:p>
+        </p:txBody>
+      </p:sp>
+      <p:pic>
+        <p:nvPicPr>
+          <p:cNvPr id="6" name="Picture 5"/>
+          <p:cNvPicPr>
+            <a:picLocks noChangeAspect="1"/>
+          </p:cNvPicPr>
+          <p:nvPr/>
+        </p:nvPicPr>
+        <p:blipFill>
+          <a:blip r:embed="rId2">
+            <a:extLst>
+              <a:ext uri="{28A0092B-C50C-407E-A947-70E740481C1C}">
+                <a14:useLocalDpi xmlns:a14="http://schemas.microsoft.com/office/drawing/2010/main" val="0"/>
+              </a:ext>
+            </a:extLst>
+          </a:blip>
+          <a:stretch>
+            <a:fillRect/>
+          </a:stretch>
+        </p:blipFill>
+        <p:spPr>
+          <a:xfrm>
+            <a:off x="1845417" y="2492896"/>
+            <a:ext cx="6678716" cy="1771312"/>
+          </a:xfrm>
+          <a:prstGeom prst="rect">
+            <a:avLst/>
+          </a:prstGeom>
+        </p:spPr>
+      </p:pic>
+    </p:spTree>
+    <p:extLst>
+      <p:ext uri="{BB962C8B-B14F-4D97-AF65-F5344CB8AC3E}">
+        <p14:creationId xmlns:p14="http://schemas.microsoft.com/office/powerpoint/2010/main" val="866786032"/>
+      </p:ext>
+    </p:extLst>
+  </p:cSld>
+  <p:clrMapOvr>
+    <a:masterClrMapping/>
+  </p:clrMapOvr>
+</p:sld>
+</file>
+
+<file path=ppt/slides/slide26.xml><?xml version="1.0" encoding="utf-8"?>
+<p:sld xmlns:a="http://schemas.openxmlformats.org/drawingml/2006/main" xmlns:r="http://schemas.openxmlformats.org/officeDocument/2006/relationships" xmlns:p="http://schemas.openxmlformats.org/presentationml/2006/main">
+  <p:cSld>
+    <p:spTree>
+      <p:nvGrpSpPr>
+        <p:cNvPr id="1" name=""/>
+        <p:cNvGrpSpPr/>
+        <p:nvPr/>
+      </p:nvGrpSpPr>
+      <p:grpSpPr>
+        <a:xfrm>
+          <a:off x="0" y="0"/>
+          <a:ext cx="0" cy="0"/>
+          <a:chOff x="0" y="0"/>
+          <a:chExt cx="0" cy="0"/>
+        </a:xfrm>
+      </p:grpSpPr>
+      <p:sp>
+        <p:nvSpPr>
+          <p:cNvPr id="2" name="Title 1"/>
+          <p:cNvSpPr>
+            <a:spLocks noGrp="1"/>
+          </p:cNvSpPr>
+          <p:nvPr>
+            <p:ph type="title"/>
+          </p:nvPr>
+        </p:nvSpPr>
+        <p:spPr/>
+        <p:txBody>
+          <a:bodyPr/>
+          <a:lstStyle/>
+          <a:p>
+            <a:r>
+              <a:rPr lang="en-US" dirty="0"/>
+              <a:t>Handling Node Failures</a:t>
+            </a:r>
+          </a:p>
+        </p:txBody>
+      </p:sp>
+      <p:sp>
+        <p:nvSpPr>
+          <p:cNvPr id="3" name="Content Placeholder 2"/>
+          <p:cNvSpPr>
+            <a:spLocks noGrp="1"/>
+          </p:cNvSpPr>
+          <p:nvPr>
+            <p:ph idx="1"/>
+          </p:nvPr>
+        </p:nvSpPr>
+        <p:spPr/>
+        <p:txBody>
+          <a:bodyPr/>
+          <a:lstStyle/>
+          <a:p>
+            <a:r>
+              <a:rPr lang="en-US" dirty="0"/>
+              <a:t>Other </a:t>
+            </a:r>
+            <a:r>
+              <a:rPr lang="en-US" dirty="0" smtClean="0"/>
+              <a:t>examples</a:t>
+            </a:r>
+          </a:p>
+          <a:p>
+            <a:pPr lvl="1"/>
+            <a:r>
+              <a:rPr lang="en-US" dirty="0" smtClean="0"/>
+              <a:t>No </a:t>
+            </a:r>
+            <a:r>
+              <a:rPr lang="en-US" dirty="0"/>
+              <a:t>W record on log ⟹ abort T1 </a:t>
+            </a:r>
+            <a:endParaRPr lang="en-US" dirty="0" smtClean="0"/>
+          </a:p>
+          <a:p>
+            <a:pPr lvl="1"/>
+            <a:r>
+              <a:rPr lang="en-US" dirty="0" smtClean="0"/>
+              <a:t>Have </a:t>
+            </a:r>
+            <a:r>
+              <a:rPr lang="en-US" dirty="0"/>
+              <a:t>C record on log ⟹ finish T1</a:t>
+            </a:r>
+          </a:p>
+        </p:txBody>
+      </p:sp>
+      <p:sp>
+        <p:nvSpPr>
+          <p:cNvPr id="4" name="Footer Placeholder 3"/>
+          <p:cNvSpPr>
+            <a:spLocks noGrp="1"/>
+          </p:cNvSpPr>
+          <p:nvPr>
+            <p:ph type="ftr" sz="quarter" idx="11"/>
+          </p:nvPr>
+        </p:nvSpPr>
+        <p:spPr/>
+        <p:txBody>
+          <a:bodyPr/>
+          <a:lstStyle/>
+          <a:p>
+            <a:pPr>
+              <a:defRPr/>
+            </a:pPr>
+            <a:r>
+              <a:rPr lang="en-US" altLang="zh-CN" smtClean="0"/>
+              <a:t>Distributed Database Systems</a:t>
+            </a:r>
+            <a:endParaRPr lang="zh-CN" altLang="en-US"/>
+          </a:p>
+        </p:txBody>
+      </p:sp>
+      <p:sp>
+        <p:nvSpPr>
+          <p:cNvPr id="5" name="Slide Number Placeholder 4"/>
+          <p:cNvSpPr>
+            <a:spLocks noGrp="1"/>
+          </p:cNvSpPr>
+          <p:nvPr>
+            <p:ph type="sldNum" sz="quarter" idx="12"/>
+          </p:nvPr>
+        </p:nvSpPr>
+        <p:spPr/>
+        <p:txBody>
+          <a:bodyPr/>
+          <a:lstStyle/>
+          <a:p>
+            <a:pPr>
+              <a:defRPr/>
+            </a:pPr>
+            <a:fld id="{07A5CAEE-885A-5D41-93DF-9DC29A9FE4F0}" type="slidenum">
+              <a:rPr lang="zh-CN" altLang="en-US" smtClean="0"/>
+              <a:pPr>
+                <a:defRPr/>
+              </a:pPr>
+              <a:t>26</a:t>
+            </a:fld>
+            <a:endParaRPr lang="zh-CN" altLang="en-US"/>
+          </a:p>
+        </p:txBody>
+      </p:sp>
+    </p:spTree>
+    <p:extLst>
+      <p:ext uri="{BB962C8B-B14F-4D97-AF65-F5344CB8AC3E}">
+        <p14:creationId xmlns:p14="http://schemas.microsoft.com/office/powerpoint/2010/main" val="1827087418"/>
+      </p:ext>
+    </p:extLst>
+  </p:cSld>
+  <p:clrMapOvr>
+    <a:masterClrMapping/>
+  </p:clrMapOvr>
+</p:sld>
+</file>
+
+<file path=ppt/slides/slide27.xml><?xml version="1.0" encoding="utf-8"?>
+<p:sld xmlns:a="http://schemas.openxmlformats.org/drawingml/2006/main" xmlns:r="http://schemas.openxmlformats.org/officeDocument/2006/relationships" xmlns:p="http://schemas.openxmlformats.org/presentationml/2006/main">
+  <p:cSld>
+    <p:spTree>
+      <p:nvGrpSpPr>
+        <p:cNvPr id="1" name=""/>
+        <p:cNvGrpSpPr/>
+        <p:nvPr/>
+      </p:nvGrpSpPr>
+      <p:grpSpPr>
+        <a:xfrm>
+          <a:off x="0" y="0"/>
+          <a:ext cx="0" cy="0"/>
+          <a:chOff x="0" y="0"/>
+          <a:chExt cx="0" cy="0"/>
+        </a:xfrm>
+      </p:grpSpPr>
+      <p:sp>
+        <p:nvSpPr>
+          <p:cNvPr id="2" name="Title 1"/>
+          <p:cNvSpPr>
+            <a:spLocks noGrp="1"/>
+          </p:cNvSpPr>
+          <p:nvPr>
+            <p:ph type="title"/>
+          </p:nvPr>
+        </p:nvSpPr>
+        <p:spPr/>
+        <p:txBody>
+          <a:bodyPr/>
+          <a:lstStyle/>
+          <a:p>
+            <a:r>
+              <a:rPr lang="en-US" dirty="0"/>
+              <a:t>Handling Node Failures</a:t>
+            </a:r>
+          </a:p>
+        </p:txBody>
+      </p:sp>
+      <p:sp>
+        <p:nvSpPr>
+          <p:cNvPr id="3" name="Content Placeholder 2"/>
+          <p:cNvSpPr>
+            <a:spLocks noGrp="1"/>
+          </p:cNvSpPr>
+          <p:nvPr>
+            <p:ph idx="1"/>
+          </p:nvPr>
+        </p:nvSpPr>
+        <p:spPr/>
+        <p:txBody>
+          <a:bodyPr/>
+          <a:lstStyle/>
+          <a:p>
+            <a:r>
+              <a:rPr lang="en-US" dirty="0"/>
+              <a:t>At the protocol </a:t>
+            </a:r>
+            <a:r>
+              <a:rPr lang="en-US" dirty="0" smtClean="0"/>
+              <a:t>level</a:t>
+            </a:r>
+          </a:p>
+          <a:p>
+            <a:pPr lvl="1"/>
+            <a:r>
+              <a:rPr lang="en-US" dirty="0"/>
+              <a:t>Add timeouts to cope with messages lost during </a:t>
+            </a:r>
+            <a:r>
+              <a:rPr lang="en-US" dirty="0" smtClean="0"/>
+              <a:t>failures</a:t>
+            </a:r>
+          </a:p>
+          <a:p>
+            <a:pPr lvl="1"/>
+            <a:r>
+              <a:rPr lang="en-US" dirty="0"/>
+              <a:t>Add finish (F) state for </a:t>
+            </a:r>
+            <a:r>
+              <a:rPr lang="en-US" dirty="0" smtClean="0"/>
+              <a:t>coordinator</a:t>
+            </a:r>
+          </a:p>
+          <a:p>
+            <a:pPr lvl="2"/>
+            <a:r>
+              <a:rPr lang="en-US" dirty="0" smtClean="0"/>
+              <a:t>all </a:t>
+            </a:r>
+            <a:r>
+              <a:rPr lang="en-US" dirty="0"/>
+              <a:t>done, can forget outcome</a:t>
+            </a:r>
+          </a:p>
+        </p:txBody>
+      </p:sp>
+      <p:sp>
+        <p:nvSpPr>
+          <p:cNvPr id="4" name="Footer Placeholder 3"/>
+          <p:cNvSpPr>
+            <a:spLocks noGrp="1"/>
+          </p:cNvSpPr>
+          <p:nvPr>
+            <p:ph type="ftr" sz="quarter" idx="11"/>
+          </p:nvPr>
+        </p:nvSpPr>
+        <p:spPr/>
+        <p:txBody>
+          <a:bodyPr/>
+          <a:lstStyle/>
+          <a:p>
+            <a:pPr>
+              <a:defRPr/>
+            </a:pPr>
+            <a:r>
+              <a:rPr lang="en-US" altLang="zh-CN" smtClean="0"/>
+              <a:t>Distributed Database Systems</a:t>
+            </a:r>
+            <a:endParaRPr lang="zh-CN" altLang="en-US"/>
+          </a:p>
+        </p:txBody>
+      </p:sp>
+      <p:sp>
+        <p:nvSpPr>
+          <p:cNvPr id="5" name="Slide Number Placeholder 4"/>
+          <p:cNvSpPr>
+            <a:spLocks noGrp="1"/>
+          </p:cNvSpPr>
+          <p:nvPr>
+            <p:ph type="sldNum" sz="quarter" idx="12"/>
+          </p:nvPr>
+        </p:nvSpPr>
+        <p:spPr/>
+        <p:txBody>
+          <a:bodyPr/>
+          <a:lstStyle/>
+          <a:p>
+            <a:pPr>
+              <a:defRPr/>
+            </a:pPr>
+            <a:fld id="{07A5CAEE-885A-5D41-93DF-9DC29A9FE4F0}" type="slidenum">
+              <a:rPr lang="zh-CN" altLang="en-US" smtClean="0"/>
+              <a:pPr>
+                <a:defRPr/>
+              </a:pPr>
+              <a:t>27</a:t>
+            </a:fld>
+            <a:endParaRPr lang="zh-CN" altLang="en-US"/>
+          </a:p>
+        </p:txBody>
+      </p:sp>
+    </p:spTree>
+    <p:extLst>
+      <p:ext uri="{BB962C8B-B14F-4D97-AF65-F5344CB8AC3E}">
+        <p14:creationId xmlns:p14="http://schemas.microsoft.com/office/powerpoint/2010/main" val="528235721"/>
+      </p:ext>
+    </p:extLst>
+  </p:cSld>
+  <p:clrMapOvr>
+    <a:masterClrMapping/>
+  </p:clrMapOvr>
+</p:sld>
+</file>
+
+<file path=ppt/slides/slide28.xml><?xml version="1.0" encoding="utf-8"?>
+<p:sld xmlns:a="http://schemas.openxmlformats.org/drawingml/2006/main" xmlns:r="http://schemas.openxmlformats.org/officeDocument/2006/relationships" xmlns:p="http://schemas.openxmlformats.org/presentationml/2006/main">
+  <p:cSld>
+    <p:spTree>
+      <p:nvGrpSpPr>
+        <p:cNvPr id="1" name=""/>
+        <p:cNvGrpSpPr/>
+        <p:nvPr/>
+      </p:nvGrpSpPr>
+      <p:grpSpPr>
+        <a:xfrm>
+          <a:off x="0" y="0"/>
+          <a:ext cx="0" cy="0"/>
+          <a:chOff x="0" y="0"/>
+          <a:chExt cx="0" cy="0"/>
+        </a:xfrm>
+      </p:grpSpPr>
+      <p:sp>
+        <p:nvSpPr>
+          <p:cNvPr id="2" name="Title 1"/>
+          <p:cNvSpPr>
+            <a:spLocks noGrp="1"/>
+          </p:cNvSpPr>
+          <p:nvPr>
+            <p:ph type="title"/>
+          </p:nvPr>
+        </p:nvSpPr>
+        <p:spPr/>
+        <p:txBody>
+          <a:bodyPr/>
+          <a:lstStyle/>
+          <a:p>
+            <a:r>
+              <a:rPr lang="en-US" dirty="0"/>
+              <a:t>Coordinator</a:t>
+            </a:r>
+          </a:p>
+        </p:txBody>
+      </p:sp>
+      <p:pic>
+        <p:nvPicPr>
+          <p:cNvPr id="6" name="Content Placeholder 5"/>
+          <p:cNvPicPr>
+            <a:picLocks noGrp="1" noChangeAspect="1"/>
+          </p:cNvPicPr>
+          <p:nvPr>
+            <p:ph idx="1"/>
+          </p:nvPr>
+        </p:nvPicPr>
+        <p:blipFill>
+          <a:blip r:embed="rId2">
+            <a:extLst>
+              <a:ext uri="{28A0092B-C50C-407E-A947-70E740481C1C}">
+                <a14:useLocalDpi xmlns:a14="http://schemas.microsoft.com/office/drawing/2010/main" val="0"/>
+              </a:ext>
+            </a:extLst>
+          </a:blip>
+          <a:stretch>
+            <a:fillRect/>
+          </a:stretch>
+        </p:blipFill>
+        <p:spPr>
+          <a:xfrm>
+            <a:off x="2905125" y="1517650"/>
+            <a:ext cx="4559300" cy="4660900"/>
+          </a:xfrm>
+        </p:spPr>
+      </p:pic>
+      <p:sp>
+        <p:nvSpPr>
+          <p:cNvPr id="4" name="Footer Placeholder 3"/>
+          <p:cNvSpPr>
+            <a:spLocks noGrp="1"/>
+          </p:cNvSpPr>
+          <p:nvPr>
+            <p:ph type="ftr" sz="quarter" idx="11"/>
+          </p:nvPr>
+        </p:nvSpPr>
+        <p:spPr/>
+        <p:txBody>
+          <a:bodyPr/>
+          <a:lstStyle/>
+          <a:p>
+            <a:pPr>
+              <a:defRPr/>
+            </a:pPr>
+            <a:r>
+              <a:rPr lang="en-US" altLang="zh-CN" smtClean="0"/>
+              <a:t>Distributed Database Systems</a:t>
+            </a:r>
+            <a:endParaRPr lang="zh-CN" altLang="en-US"/>
+          </a:p>
+        </p:txBody>
+      </p:sp>
+      <p:sp>
+        <p:nvSpPr>
+          <p:cNvPr id="5" name="Slide Number Placeholder 4"/>
+          <p:cNvSpPr>
+            <a:spLocks noGrp="1"/>
+          </p:cNvSpPr>
+          <p:nvPr>
+            <p:ph type="sldNum" sz="quarter" idx="12"/>
+          </p:nvPr>
+        </p:nvSpPr>
+        <p:spPr/>
+        <p:txBody>
+          <a:bodyPr/>
+          <a:lstStyle/>
+          <a:p>
+            <a:pPr>
+              <a:defRPr/>
+            </a:pPr>
+            <a:fld id="{07A5CAEE-885A-5D41-93DF-9DC29A9FE4F0}" type="slidenum">
+              <a:rPr lang="zh-CN" altLang="en-US" smtClean="0"/>
+              <a:pPr>
+                <a:defRPr/>
+              </a:pPr>
+              <a:t>28</a:t>
+            </a:fld>
+            <a:endParaRPr lang="zh-CN" altLang="en-US"/>
+          </a:p>
+        </p:txBody>
+      </p:sp>
+      <p:sp>
+        <p:nvSpPr>
+          <p:cNvPr id="7" name="TextBox 6"/>
+          <p:cNvSpPr txBox="1"/>
+          <p:nvPr/>
+        </p:nvSpPr>
+        <p:spPr>
+          <a:xfrm>
+            <a:off x="1979712" y="5641885"/>
+            <a:ext cx="2396810" cy="400110"/>
+          </a:xfrm>
+          <a:prstGeom prst="rect">
+            <a:avLst/>
+          </a:prstGeom>
+          <a:noFill/>
+          <a:ln>
+            <a:solidFill>
+              <a:schemeClr val="tx1"/>
+            </a:solidFill>
+          </a:ln>
+        </p:spPr>
+        <p:txBody>
+          <a:bodyPr wrap="none" rtlCol="0">
+            <a:spAutoFit/>
+          </a:bodyPr>
+          <a:lstStyle/>
+          <a:p>
+            <a:r>
+              <a:rPr lang="en-US" altLang="zh-CN" sz="2000" dirty="0" err="1" smtClean="0">
+                <a:solidFill>
+                  <a:srgbClr val="FF0000"/>
+                </a:solidFill>
+              </a:rPr>
+              <a:t>cok</a:t>
+            </a:r>
+            <a:r>
+              <a:rPr lang="zh-CN" altLang="en-US" sz="2000" dirty="0" smtClean="0">
+                <a:solidFill>
+                  <a:srgbClr val="FF0000"/>
+                </a:solidFill>
+              </a:rPr>
+              <a:t> </a:t>
+            </a:r>
+            <a:r>
+              <a:rPr lang="en-US" altLang="zh-CN" sz="2000" dirty="0" smtClean="0">
+                <a:solidFill>
+                  <a:srgbClr val="FF0000"/>
+                </a:solidFill>
+              </a:rPr>
+              <a:t>=</a:t>
+            </a:r>
+            <a:r>
+              <a:rPr lang="zh-CN" altLang="en-US" sz="2000" dirty="0" smtClean="0">
+                <a:solidFill>
+                  <a:srgbClr val="FF0000"/>
+                </a:solidFill>
+              </a:rPr>
+              <a:t> </a:t>
+            </a:r>
+            <a:r>
+              <a:rPr lang="en-US" altLang="zh-CN" sz="2000" dirty="0" smtClean="0">
+                <a:solidFill>
+                  <a:srgbClr val="FF0000"/>
+                </a:solidFill>
+              </a:rPr>
+              <a:t>committed</a:t>
+            </a:r>
+            <a:r>
+              <a:rPr lang="zh-CN" altLang="en-US" sz="2000" dirty="0" smtClean="0">
+                <a:solidFill>
+                  <a:srgbClr val="FF0000"/>
+                </a:solidFill>
+              </a:rPr>
+              <a:t> </a:t>
+            </a:r>
+            <a:r>
+              <a:rPr lang="en-US" altLang="zh-CN" sz="2000" dirty="0" smtClean="0">
+                <a:solidFill>
+                  <a:srgbClr val="FF0000"/>
+                </a:solidFill>
+              </a:rPr>
+              <a:t>ok</a:t>
+            </a:r>
+            <a:endParaRPr lang="en-US" sz="2000" dirty="0">
+              <a:solidFill>
+                <a:srgbClr val="FF0000"/>
+              </a:solidFill>
+            </a:endParaRPr>
+          </a:p>
+        </p:txBody>
+      </p:sp>
+    </p:spTree>
+    <p:extLst>
+      <p:ext uri="{BB962C8B-B14F-4D97-AF65-F5344CB8AC3E}">
+        <p14:creationId xmlns:p14="http://schemas.microsoft.com/office/powerpoint/2010/main" val="723275390"/>
+      </p:ext>
+    </p:extLst>
+  </p:cSld>
+  <p:clrMapOvr>
+    <a:masterClrMapping/>
+  </p:clrMapOvr>
+</p:sld>
+</file>
+
+<file path=ppt/slides/slide29.xml><?xml version="1.0" encoding="utf-8"?>
+<p:sld xmlns:a="http://schemas.openxmlformats.org/drawingml/2006/main" xmlns:r="http://schemas.openxmlformats.org/officeDocument/2006/relationships" xmlns:p="http://schemas.openxmlformats.org/presentationml/2006/main">
+  <p:cSld>
+    <p:spTree>
+      <p:nvGrpSpPr>
+        <p:cNvPr id="1" name=""/>
+        <p:cNvGrpSpPr/>
+        <p:nvPr/>
+      </p:nvGrpSpPr>
+      <p:grpSpPr>
+        <a:xfrm>
+          <a:off x="0" y="0"/>
+          <a:ext cx="0" cy="0"/>
+          <a:chOff x="0" y="0"/>
+          <a:chExt cx="0" cy="0"/>
+        </a:xfrm>
+      </p:grpSpPr>
+      <p:sp>
+        <p:nvSpPr>
+          <p:cNvPr id="2" name="Title 1"/>
+          <p:cNvSpPr>
+            <a:spLocks noGrp="1"/>
+          </p:cNvSpPr>
+          <p:nvPr>
+            <p:ph type="title"/>
+          </p:nvPr>
+        </p:nvSpPr>
+        <p:spPr/>
+        <p:txBody>
+          <a:bodyPr/>
+          <a:lstStyle/>
+          <a:p>
+            <a:r>
+              <a:rPr lang="en-US" dirty="0"/>
+              <a:t>Coordinator</a:t>
+            </a:r>
+          </a:p>
+        </p:txBody>
+      </p:sp>
+      <p:pic>
+        <p:nvPicPr>
+          <p:cNvPr id="6" name="Content Placeholder 5"/>
+          <p:cNvPicPr>
+            <a:picLocks noGrp="1" noChangeAspect="1"/>
+          </p:cNvPicPr>
+          <p:nvPr>
+            <p:ph idx="1"/>
+          </p:nvPr>
+        </p:nvPicPr>
+        <p:blipFill>
+          <a:blip r:embed="rId2">
+            <a:extLst>
+              <a:ext uri="{28A0092B-C50C-407E-A947-70E740481C1C}">
+                <a14:useLocalDpi xmlns:a14="http://schemas.microsoft.com/office/drawing/2010/main" val="0"/>
+              </a:ext>
+            </a:extLst>
+          </a:blip>
+          <a:stretch>
+            <a:fillRect/>
+          </a:stretch>
+        </p:blipFill>
+        <p:spPr>
+          <a:xfrm>
+            <a:off x="2331150" y="1447800"/>
+            <a:ext cx="5707250" cy="4800600"/>
+          </a:xfrm>
+        </p:spPr>
+      </p:pic>
+      <p:sp>
+        <p:nvSpPr>
+          <p:cNvPr id="4" name="Footer Placeholder 3"/>
+          <p:cNvSpPr>
+            <a:spLocks noGrp="1"/>
+          </p:cNvSpPr>
+          <p:nvPr>
+            <p:ph type="ftr" sz="quarter" idx="11"/>
+          </p:nvPr>
+        </p:nvSpPr>
+        <p:spPr/>
+        <p:txBody>
+          <a:bodyPr/>
+          <a:lstStyle/>
+          <a:p>
+            <a:pPr>
+              <a:defRPr/>
+            </a:pPr>
+            <a:r>
+              <a:rPr lang="en-US" altLang="zh-CN" smtClean="0"/>
+              <a:t>Distributed Database Systems</a:t>
+            </a:r>
+            <a:endParaRPr lang="zh-CN" altLang="en-US"/>
+          </a:p>
+        </p:txBody>
+      </p:sp>
+      <p:sp>
+        <p:nvSpPr>
+          <p:cNvPr id="5" name="Slide Number Placeholder 4"/>
+          <p:cNvSpPr>
+            <a:spLocks noGrp="1"/>
+          </p:cNvSpPr>
+          <p:nvPr>
+            <p:ph type="sldNum" sz="quarter" idx="12"/>
+          </p:nvPr>
+        </p:nvSpPr>
+        <p:spPr/>
+        <p:txBody>
+          <a:bodyPr/>
+          <a:lstStyle/>
+          <a:p>
+            <a:pPr>
+              <a:defRPr/>
+            </a:pPr>
+            <a:fld id="{07A5CAEE-885A-5D41-93DF-9DC29A9FE4F0}" type="slidenum">
+              <a:rPr lang="zh-CN" altLang="en-US" smtClean="0"/>
+              <a:pPr>
+                <a:defRPr/>
+              </a:pPr>
+              <a:t>29</a:t>
+            </a:fld>
+            <a:endParaRPr lang="zh-CN" altLang="en-US"/>
+          </a:p>
+        </p:txBody>
+      </p:sp>
+      <p:sp>
+        <p:nvSpPr>
+          <p:cNvPr id="7" name="TextBox 6"/>
+          <p:cNvSpPr txBox="1"/>
+          <p:nvPr/>
+        </p:nvSpPr>
+        <p:spPr>
+          <a:xfrm>
+            <a:off x="6215706" y="370890"/>
+            <a:ext cx="2927404" cy="707886"/>
+          </a:xfrm>
+          <a:prstGeom prst="rect">
+            <a:avLst/>
+          </a:prstGeom>
+          <a:noFill/>
+          <a:ln>
+            <a:solidFill>
+              <a:schemeClr val="tx1"/>
+            </a:solidFill>
+          </a:ln>
+        </p:spPr>
+        <p:txBody>
+          <a:bodyPr wrap="none" rtlCol="0">
+            <a:spAutoFit/>
+          </a:bodyPr>
+          <a:lstStyle/>
+          <a:p>
+            <a:r>
+              <a:rPr lang="en-US" altLang="zh-CN" sz="2000" dirty="0" smtClean="0">
+                <a:solidFill>
+                  <a:srgbClr val="FF0000"/>
+                </a:solidFill>
+              </a:rPr>
+              <a:t>t</a:t>
+            </a:r>
+            <a:r>
+              <a:rPr lang="zh-CN" altLang="en-US" sz="2000" dirty="0" smtClean="0">
+                <a:solidFill>
+                  <a:srgbClr val="FF0000"/>
+                </a:solidFill>
+              </a:rPr>
+              <a:t> </a:t>
+            </a:r>
+            <a:r>
+              <a:rPr lang="en-US" altLang="zh-CN" sz="2000" dirty="0" smtClean="0">
+                <a:solidFill>
+                  <a:srgbClr val="FF0000"/>
+                </a:solidFill>
+              </a:rPr>
+              <a:t>=</a:t>
+            </a:r>
+            <a:r>
+              <a:rPr lang="zh-CN" altLang="en-US" sz="2000" dirty="0" smtClean="0">
+                <a:solidFill>
+                  <a:srgbClr val="FF0000"/>
+                </a:solidFill>
+              </a:rPr>
+              <a:t> </a:t>
+            </a:r>
+            <a:r>
+              <a:rPr lang="en-US" altLang="zh-CN" sz="2000" dirty="0" smtClean="0">
+                <a:solidFill>
+                  <a:srgbClr val="FF0000"/>
+                </a:solidFill>
+              </a:rPr>
+              <a:t>timeout</a:t>
+            </a:r>
+          </a:p>
+          <a:p>
+            <a:r>
+              <a:rPr lang="en-US" altLang="zh-CN" sz="2000" dirty="0" err="1" smtClean="0">
+                <a:solidFill>
+                  <a:srgbClr val="FF0000"/>
+                </a:solidFill>
+              </a:rPr>
+              <a:t>cping</a:t>
+            </a:r>
+            <a:r>
+              <a:rPr lang="zh-CN" altLang="en-US" sz="2000" dirty="0" smtClean="0">
+                <a:solidFill>
+                  <a:srgbClr val="FF0000"/>
+                </a:solidFill>
+              </a:rPr>
+              <a:t> </a:t>
+            </a:r>
+            <a:r>
+              <a:rPr lang="en-US" altLang="zh-CN" sz="2000" dirty="0" smtClean="0">
+                <a:solidFill>
+                  <a:srgbClr val="FF0000"/>
+                </a:solidFill>
+              </a:rPr>
+              <a:t>=</a:t>
+            </a:r>
+            <a:r>
+              <a:rPr lang="zh-CN" altLang="en-US" sz="2000" dirty="0" smtClean="0">
+                <a:solidFill>
+                  <a:srgbClr val="FF0000"/>
+                </a:solidFill>
+              </a:rPr>
+              <a:t> </a:t>
+            </a:r>
+            <a:r>
+              <a:rPr lang="en-US" altLang="zh-CN" sz="2000" dirty="0" smtClean="0">
+                <a:solidFill>
+                  <a:srgbClr val="FF0000"/>
+                </a:solidFill>
+              </a:rPr>
+              <a:t>coordinator</a:t>
+            </a:r>
+            <a:r>
+              <a:rPr lang="zh-CN" altLang="en-US" sz="2000" dirty="0" smtClean="0">
+                <a:solidFill>
+                  <a:srgbClr val="FF0000"/>
+                </a:solidFill>
+              </a:rPr>
+              <a:t> </a:t>
+            </a:r>
+            <a:r>
+              <a:rPr lang="en-US" altLang="zh-CN" sz="2000" dirty="0" smtClean="0">
+                <a:solidFill>
+                  <a:srgbClr val="FF0000"/>
+                </a:solidFill>
+              </a:rPr>
+              <a:t>ping</a:t>
+            </a:r>
+            <a:endParaRPr lang="en-US" sz="2000" dirty="0">
+              <a:solidFill>
+                <a:srgbClr val="FF0000"/>
+              </a:solidFill>
+            </a:endParaRPr>
+          </a:p>
+        </p:txBody>
+      </p:sp>
+    </p:spTree>
+    <p:extLst>
+      <p:ext uri="{BB962C8B-B14F-4D97-AF65-F5344CB8AC3E}">
+        <p14:creationId xmlns:p14="http://schemas.microsoft.com/office/powerpoint/2010/main" val="850821350"/>
       </p:ext>
     </p:extLst>
   </p:cSld>
@@ -9008,6 +10615,3107 @@
     <p:extLst>
       <p:ext uri="{BB962C8B-B14F-4D97-AF65-F5344CB8AC3E}">
         <p14:creationId xmlns:p14="http://schemas.microsoft.com/office/powerpoint/2010/main" val="1077989724"/>
+      </p:ext>
+    </p:extLst>
+  </p:cSld>
+  <p:clrMapOvr>
+    <a:masterClrMapping/>
+  </p:clrMapOvr>
+</p:sld>
+</file>
+
+<file path=ppt/slides/slide30.xml><?xml version="1.0" encoding="utf-8"?>
+<p:sld xmlns:a="http://schemas.openxmlformats.org/drawingml/2006/main" xmlns:r="http://schemas.openxmlformats.org/officeDocument/2006/relationships" xmlns:p="http://schemas.openxmlformats.org/presentationml/2006/main">
+  <p:cSld>
+    <p:spTree>
+      <p:nvGrpSpPr>
+        <p:cNvPr id="1" name=""/>
+        <p:cNvGrpSpPr/>
+        <p:nvPr/>
+      </p:nvGrpSpPr>
+      <p:grpSpPr>
+        <a:xfrm>
+          <a:off x="0" y="0"/>
+          <a:ext cx="0" cy="0"/>
+          <a:chOff x="0" y="0"/>
+          <a:chExt cx="0" cy="0"/>
+        </a:xfrm>
+      </p:grpSpPr>
+      <p:sp>
+        <p:nvSpPr>
+          <p:cNvPr id="2" name="Title 1"/>
+          <p:cNvSpPr>
+            <a:spLocks noGrp="1"/>
+          </p:cNvSpPr>
+          <p:nvPr>
+            <p:ph type="title"/>
+          </p:nvPr>
+        </p:nvSpPr>
+        <p:spPr/>
+        <p:txBody>
+          <a:bodyPr/>
+          <a:lstStyle/>
+          <a:p>
+            <a:r>
+              <a:rPr lang="en-US" dirty="0"/>
+              <a:t>Participant</a:t>
+            </a:r>
+          </a:p>
+        </p:txBody>
+      </p:sp>
+      <p:pic>
+        <p:nvPicPr>
+          <p:cNvPr id="6" name="Content Placeholder 5"/>
+          <p:cNvPicPr>
+            <a:picLocks noGrp="1" noChangeAspect="1"/>
+          </p:cNvPicPr>
+          <p:nvPr>
+            <p:ph idx="1"/>
+          </p:nvPr>
+        </p:nvPicPr>
+        <p:blipFill>
+          <a:blip r:embed="rId2">
+            <a:extLst>
+              <a:ext uri="{28A0092B-C50C-407E-A947-70E740481C1C}">
+                <a14:useLocalDpi xmlns:a14="http://schemas.microsoft.com/office/drawing/2010/main" val="0"/>
+              </a:ext>
+            </a:extLst>
+          </a:blip>
+          <a:stretch>
+            <a:fillRect/>
+          </a:stretch>
+        </p:blipFill>
+        <p:spPr>
+          <a:xfrm>
+            <a:off x="2422525" y="1625600"/>
+            <a:ext cx="5524500" cy="4445000"/>
+          </a:xfrm>
+        </p:spPr>
+      </p:pic>
+      <p:sp>
+        <p:nvSpPr>
+          <p:cNvPr id="4" name="Footer Placeholder 3"/>
+          <p:cNvSpPr>
+            <a:spLocks noGrp="1"/>
+          </p:cNvSpPr>
+          <p:nvPr>
+            <p:ph type="ftr" sz="quarter" idx="11"/>
+          </p:nvPr>
+        </p:nvSpPr>
+        <p:spPr/>
+        <p:txBody>
+          <a:bodyPr/>
+          <a:lstStyle/>
+          <a:p>
+            <a:pPr>
+              <a:defRPr/>
+            </a:pPr>
+            <a:r>
+              <a:rPr lang="en-US" altLang="zh-CN" smtClean="0"/>
+              <a:t>Distributed Database Systems</a:t>
+            </a:r>
+            <a:endParaRPr lang="zh-CN" altLang="en-US"/>
+          </a:p>
+        </p:txBody>
+      </p:sp>
+      <p:sp>
+        <p:nvSpPr>
+          <p:cNvPr id="5" name="Slide Number Placeholder 4"/>
+          <p:cNvSpPr>
+            <a:spLocks noGrp="1"/>
+          </p:cNvSpPr>
+          <p:nvPr>
+            <p:ph type="sldNum" sz="quarter" idx="12"/>
+          </p:nvPr>
+        </p:nvSpPr>
+        <p:spPr/>
+        <p:txBody>
+          <a:bodyPr/>
+          <a:lstStyle/>
+          <a:p>
+            <a:pPr>
+              <a:defRPr/>
+            </a:pPr>
+            <a:fld id="{07A5CAEE-885A-5D41-93DF-9DC29A9FE4F0}" type="slidenum">
+              <a:rPr lang="zh-CN" altLang="en-US" smtClean="0"/>
+              <a:pPr>
+                <a:defRPr/>
+              </a:pPr>
+              <a:t>30</a:t>
+            </a:fld>
+            <a:endParaRPr lang="zh-CN" altLang="en-US"/>
+          </a:p>
+        </p:txBody>
+      </p:sp>
+      <p:sp>
+        <p:nvSpPr>
+          <p:cNvPr id="7" name="Oval 6"/>
+          <p:cNvSpPr/>
+          <p:nvPr/>
+        </p:nvSpPr>
+        <p:spPr>
+          <a:xfrm rot="19537017">
+            <a:off x="3655418" y="3737719"/>
+            <a:ext cx="3770884" cy="1235813"/>
+          </a:xfrm>
+          <a:prstGeom prst="ellipse">
+            <a:avLst/>
+          </a:prstGeom>
+          <a:noFill/>
+          <a:ln>
+            <a:solidFill>
+              <a:srgbClr val="C00000"/>
+            </a:solidFill>
+            <a:prstDash val="dash"/>
+          </a:ln>
+        </p:spPr>
+        <p:style>
+          <a:lnRef idx="2">
+            <a:schemeClr val="accent1">
+              <a:shade val="50000"/>
+            </a:schemeClr>
+          </a:lnRef>
+          <a:fillRef idx="1">
+            <a:schemeClr val="accent1"/>
+          </a:fillRef>
+          <a:effectRef idx="0">
+            <a:schemeClr val="accent1"/>
+          </a:effectRef>
+          <a:fontRef idx="minor">
+            <a:schemeClr val="lt1"/>
+          </a:fontRef>
+        </p:style>
+        <p:txBody>
+          <a:bodyPr rtlCol="0" anchor="ctr"/>
+          <a:lstStyle/>
+          <a:p>
+            <a:pPr algn="ctr"/>
+            <a:endParaRPr lang="en-US"/>
+          </a:p>
+        </p:txBody>
+      </p:sp>
+      <p:sp>
+        <p:nvSpPr>
+          <p:cNvPr id="8" name="Rectangle 7"/>
+          <p:cNvSpPr/>
+          <p:nvPr/>
+        </p:nvSpPr>
+        <p:spPr>
+          <a:xfrm>
+            <a:off x="5769374" y="4965567"/>
+            <a:ext cx="2862325" cy="400110"/>
+          </a:xfrm>
+          <a:prstGeom prst="rect">
+            <a:avLst/>
+          </a:prstGeom>
+        </p:spPr>
+        <p:txBody>
+          <a:bodyPr wrap="square">
+            <a:spAutoFit/>
+          </a:bodyPr>
+          <a:lstStyle/>
+          <a:p>
+            <a:r>
+              <a:rPr lang="en-US" sz="2000" dirty="0">
+                <a:solidFill>
+                  <a:srgbClr val="BF0000"/>
+                </a:solidFill>
+                <a:latin typeface="Calibri" charset="0"/>
+                <a:ea typeface="Calibri" charset="0"/>
+                <a:cs typeface="Calibri" charset="0"/>
+              </a:rPr>
+              <a:t>equivalent to finish state </a:t>
+            </a:r>
+            <a:endParaRPr lang="en-US" sz="5400" dirty="0">
+              <a:effectLst/>
+              <a:latin typeface="Calibri" charset="0"/>
+              <a:ea typeface="Calibri" charset="0"/>
+              <a:cs typeface="Calibri" charset="0"/>
+            </a:endParaRPr>
+          </a:p>
+        </p:txBody>
+      </p:sp>
+    </p:spTree>
+    <p:extLst>
+      <p:ext uri="{BB962C8B-B14F-4D97-AF65-F5344CB8AC3E}">
+        <p14:creationId xmlns:p14="http://schemas.microsoft.com/office/powerpoint/2010/main" val="97418037"/>
+      </p:ext>
+    </p:extLst>
+  </p:cSld>
+  <p:clrMapOvr>
+    <a:masterClrMapping/>
+  </p:clrMapOvr>
+</p:sld>
+</file>
+
+<file path=ppt/slides/slide31.xml><?xml version="1.0" encoding="utf-8"?>
+<p:sld xmlns:a="http://schemas.openxmlformats.org/drawingml/2006/main" xmlns:r="http://schemas.openxmlformats.org/officeDocument/2006/relationships" xmlns:p="http://schemas.openxmlformats.org/presentationml/2006/main">
+  <p:cSld>
+    <p:spTree>
+      <p:nvGrpSpPr>
+        <p:cNvPr id="1" name=""/>
+        <p:cNvGrpSpPr/>
+        <p:nvPr/>
+      </p:nvGrpSpPr>
+      <p:grpSpPr>
+        <a:xfrm>
+          <a:off x="0" y="0"/>
+          <a:ext cx="0" cy="0"/>
+          <a:chOff x="0" y="0"/>
+          <a:chExt cx="0" cy="0"/>
+        </a:xfrm>
+      </p:grpSpPr>
+      <p:sp>
+        <p:nvSpPr>
+          <p:cNvPr id="2" name="Title 1"/>
+          <p:cNvSpPr>
+            <a:spLocks noGrp="1"/>
+          </p:cNvSpPr>
+          <p:nvPr>
+            <p:ph type="title"/>
+          </p:nvPr>
+        </p:nvSpPr>
+        <p:spPr/>
+        <p:txBody>
+          <a:bodyPr/>
+          <a:lstStyle/>
+          <a:p>
+            <a:r>
+              <a:rPr lang="en-US" dirty="0"/>
+              <a:t>Presumed Abort Protocol</a:t>
+            </a:r>
+          </a:p>
+        </p:txBody>
+      </p:sp>
+      <p:sp>
+        <p:nvSpPr>
+          <p:cNvPr id="3" name="Content Placeholder 2"/>
+          <p:cNvSpPr>
+            <a:spLocks noGrp="1"/>
+          </p:cNvSpPr>
+          <p:nvPr>
+            <p:ph idx="1"/>
+          </p:nvPr>
+        </p:nvSpPr>
+        <p:spPr/>
+        <p:txBody>
+          <a:bodyPr/>
+          <a:lstStyle/>
+          <a:p>
+            <a:r>
+              <a:rPr lang="en-US" dirty="0"/>
+              <a:t>F and A states combined in </a:t>
+            </a:r>
+            <a:r>
+              <a:rPr lang="en-US" dirty="0" smtClean="0"/>
+              <a:t>coordinator</a:t>
+            </a:r>
+          </a:p>
+          <a:p>
+            <a:pPr lvl="1"/>
+            <a:r>
+              <a:rPr lang="en-US" dirty="0" smtClean="0"/>
+              <a:t>Saves </a:t>
+            </a:r>
+            <a:r>
+              <a:rPr lang="en-US" dirty="0"/>
+              <a:t>persistent space (allows coordinator to forget sooner)</a:t>
+            </a:r>
+          </a:p>
+        </p:txBody>
+      </p:sp>
+      <p:sp>
+        <p:nvSpPr>
+          <p:cNvPr id="4" name="Footer Placeholder 3"/>
+          <p:cNvSpPr>
+            <a:spLocks noGrp="1"/>
+          </p:cNvSpPr>
+          <p:nvPr>
+            <p:ph type="ftr" sz="quarter" idx="11"/>
+          </p:nvPr>
+        </p:nvSpPr>
+        <p:spPr/>
+        <p:txBody>
+          <a:bodyPr/>
+          <a:lstStyle/>
+          <a:p>
+            <a:pPr>
+              <a:defRPr/>
+            </a:pPr>
+            <a:r>
+              <a:rPr lang="en-US" altLang="zh-CN" smtClean="0"/>
+              <a:t>Distributed Database Systems</a:t>
+            </a:r>
+            <a:endParaRPr lang="zh-CN" altLang="en-US"/>
+          </a:p>
+        </p:txBody>
+      </p:sp>
+      <p:sp>
+        <p:nvSpPr>
+          <p:cNvPr id="5" name="Slide Number Placeholder 4"/>
+          <p:cNvSpPr>
+            <a:spLocks noGrp="1"/>
+          </p:cNvSpPr>
+          <p:nvPr>
+            <p:ph type="sldNum" sz="quarter" idx="12"/>
+          </p:nvPr>
+        </p:nvSpPr>
+        <p:spPr/>
+        <p:txBody>
+          <a:bodyPr/>
+          <a:lstStyle/>
+          <a:p>
+            <a:pPr>
+              <a:defRPr/>
+            </a:pPr>
+            <a:fld id="{07A5CAEE-885A-5D41-93DF-9DC29A9FE4F0}" type="slidenum">
+              <a:rPr lang="zh-CN" altLang="en-US" smtClean="0"/>
+              <a:pPr>
+                <a:defRPr/>
+              </a:pPr>
+              <a:t>31</a:t>
+            </a:fld>
+            <a:endParaRPr lang="zh-CN" altLang="en-US"/>
+          </a:p>
+        </p:txBody>
+      </p:sp>
+      <p:pic>
+        <p:nvPicPr>
+          <p:cNvPr id="6" name="Picture 5"/>
+          <p:cNvPicPr>
+            <a:picLocks noChangeAspect="1"/>
+          </p:cNvPicPr>
+          <p:nvPr/>
+        </p:nvPicPr>
+        <p:blipFill>
+          <a:blip r:embed="rId2">
+            <a:extLst>
+              <a:ext uri="{28A0092B-C50C-407E-A947-70E740481C1C}">
+                <a14:useLocalDpi xmlns:a14="http://schemas.microsoft.com/office/drawing/2010/main" val="0"/>
+              </a:ext>
+            </a:extLst>
+          </a:blip>
+          <a:stretch>
+            <a:fillRect/>
+          </a:stretch>
+        </p:blipFill>
+        <p:spPr>
+          <a:xfrm>
+            <a:off x="1619672" y="2965885"/>
+            <a:ext cx="4248472" cy="3405264"/>
+          </a:xfrm>
+          <a:prstGeom prst="rect">
+            <a:avLst/>
+          </a:prstGeom>
+        </p:spPr>
+      </p:pic>
+      <p:sp>
+        <p:nvSpPr>
+          <p:cNvPr id="7" name="Rectangle 6"/>
+          <p:cNvSpPr/>
+          <p:nvPr/>
+        </p:nvSpPr>
+        <p:spPr>
+          <a:xfrm>
+            <a:off x="5763047" y="3545845"/>
+            <a:ext cx="3355975" cy="2677656"/>
+          </a:xfrm>
+          <a:prstGeom prst="rect">
+            <a:avLst/>
+          </a:prstGeom>
+        </p:spPr>
+        <p:txBody>
+          <a:bodyPr wrap="square">
+            <a:spAutoFit/>
+          </a:bodyPr>
+          <a:lstStyle/>
+          <a:p>
+            <a:r>
+              <a:rPr lang="en-US" sz="2800" dirty="0">
+                <a:latin typeface="Calibri" charset="0"/>
+                <a:ea typeface="Calibri" charset="0"/>
+                <a:cs typeface="Calibri" charset="0"/>
+              </a:rPr>
+              <a:t>Whenever there is no information about the transaction's outcome, no commit, no abort, </a:t>
+            </a:r>
+            <a:r>
+              <a:rPr lang="en-US" sz="2800" dirty="0">
+                <a:solidFill>
+                  <a:srgbClr val="FF0000"/>
+                </a:solidFill>
+                <a:latin typeface="Calibri" charset="0"/>
+                <a:ea typeface="Calibri" charset="0"/>
+                <a:cs typeface="Calibri" charset="0"/>
+              </a:rPr>
+              <a:t>the outcome is abort.</a:t>
+            </a:r>
+            <a:r>
+              <a:rPr lang="en-US" sz="2800" dirty="0">
+                <a:latin typeface="Calibri" charset="0"/>
+                <a:ea typeface="Calibri" charset="0"/>
+                <a:cs typeface="Calibri" charset="0"/>
+              </a:rPr>
+              <a:t> </a:t>
+            </a:r>
+          </a:p>
+        </p:txBody>
+      </p:sp>
+    </p:spTree>
+    <p:extLst>
+      <p:ext uri="{BB962C8B-B14F-4D97-AF65-F5344CB8AC3E}">
+        <p14:creationId xmlns:p14="http://schemas.microsoft.com/office/powerpoint/2010/main" val="293707224"/>
+      </p:ext>
+    </p:extLst>
+  </p:cSld>
+  <p:clrMapOvr>
+    <a:masterClrMapping/>
+  </p:clrMapOvr>
+</p:sld>
+</file>
+
+<file path=ppt/slides/slide32.xml><?xml version="1.0" encoding="utf-8"?>
+<p:sld xmlns:a="http://schemas.openxmlformats.org/drawingml/2006/main" xmlns:r="http://schemas.openxmlformats.org/officeDocument/2006/relationships" xmlns:p="http://schemas.openxmlformats.org/presentationml/2006/main">
+  <p:cSld>
+    <p:spTree>
+      <p:nvGrpSpPr>
+        <p:cNvPr id="1" name=""/>
+        <p:cNvGrpSpPr/>
+        <p:nvPr/>
+      </p:nvGrpSpPr>
+      <p:grpSpPr>
+        <a:xfrm>
+          <a:off x="0" y="0"/>
+          <a:ext cx="0" cy="0"/>
+          <a:chOff x="0" y="0"/>
+          <a:chExt cx="0" cy="0"/>
+        </a:xfrm>
+      </p:grpSpPr>
+      <p:sp>
+        <p:nvSpPr>
+          <p:cNvPr id="2" name="Title 1"/>
+          <p:cNvSpPr>
+            <a:spLocks noGrp="1"/>
+          </p:cNvSpPr>
+          <p:nvPr>
+            <p:ph type="title"/>
+          </p:nvPr>
+        </p:nvSpPr>
+        <p:spPr/>
+        <p:txBody>
+          <a:bodyPr/>
+          <a:lstStyle/>
+          <a:p>
+            <a:pPr eaLnBrk="1" hangingPunct="1">
+              <a:defRPr/>
+            </a:pPr>
+            <a:r>
+              <a:rPr lang="en-US" dirty="0" smtClean="0"/>
+              <a:t>Problem with 2PC</a:t>
+            </a:r>
+            <a:endParaRPr lang="zh-CN" altLang="en-US" dirty="0"/>
+          </a:p>
+        </p:txBody>
+      </p:sp>
+      <p:sp>
+        <p:nvSpPr>
+          <p:cNvPr id="19458" name="Content Placeholder 2"/>
+          <p:cNvSpPr>
+            <a:spLocks noGrp="1"/>
+          </p:cNvSpPr>
+          <p:nvPr>
+            <p:ph idx="1"/>
+          </p:nvPr>
+        </p:nvSpPr>
+        <p:spPr>
+          <a:xfrm>
+            <a:off x="1435100" y="1447800"/>
+            <a:ext cx="7499350" cy="2338388"/>
+          </a:xfrm>
+        </p:spPr>
+        <p:txBody>
+          <a:bodyPr/>
+          <a:lstStyle/>
+          <a:p>
+            <a:pPr eaLnBrk="1" hangingPunct="1"/>
+            <a:r>
+              <a:rPr lang="en-US" altLang="zh-CN" sz="2800"/>
+              <a:t>2PC is designed for dealing with </a:t>
+            </a:r>
+            <a:r>
+              <a:rPr lang="en-US" altLang="zh-CN" sz="2800">
+                <a:solidFill>
+                  <a:srgbClr val="FF0000"/>
+                </a:solidFill>
+              </a:rPr>
+              <a:t>system crashes</a:t>
+            </a:r>
+            <a:r>
+              <a:rPr lang="en-US" altLang="zh-CN" sz="2800"/>
+              <a:t>.</a:t>
+            </a:r>
+            <a:endParaRPr lang="zh-CN" altLang="en-US" sz="2800"/>
+          </a:p>
+          <a:p>
+            <a:pPr eaLnBrk="1" hangingPunct="1"/>
+            <a:endParaRPr lang="en-US" altLang="zh-CN"/>
+          </a:p>
+        </p:txBody>
+      </p:sp>
+      <p:sp>
+        <p:nvSpPr>
+          <p:cNvPr id="4" name="Footer Placeholder 3"/>
+          <p:cNvSpPr>
+            <a:spLocks noGrp="1"/>
+          </p:cNvSpPr>
+          <p:nvPr>
+            <p:ph type="ftr" sz="quarter" idx="11"/>
+          </p:nvPr>
+        </p:nvSpPr>
+        <p:spPr/>
+        <p:txBody>
+          <a:bodyPr/>
+          <a:lstStyle/>
+          <a:p>
+            <a:pPr>
+              <a:defRPr/>
+            </a:pPr>
+            <a:r>
+              <a:rPr lang="en-US" altLang="zh-CN" smtClean="0"/>
+              <a:t>Distributed Database Systems</a:t>
+            </a:r>
+            <a:endParaRPr lang="zh-CN" altLang="en-US"/>
+          </a:p>
+        </p:txBody>
+      </p:sp>
+      <p:sp>
+        <p:nvSpPr>
+          <p:cNvPr id="19460" name="Slide Number Placeholder 4"/>
+          <p:cNvSpPr>
+            <a:spLocks noGrp="1"/>
+          </p:cNvSpPr>
+          <p:nvPr>
+            <p:ph type="sldNum" sz="quarter" idx="12"/>
+          </p:nvPr>
+        </p:nvSpPr>
+        <p:spPr bwMode="auto">
+          <a:noFill/>
+          <a:extLst>
+            <a:ext uri="{909E8E84-426E-40DD-AFC4-6F175D3DCCD1}">
+              <a14:hiddenFill xmlns:a14="http://schemas.microsoft.com/office/drawing/2010/main">
+                <a:solidFill>
+                  <a:srgbClr val="FFFFFF"/>
+                </a:solidFill>
+              </a14:hiddenFill>
+            </a:ext>
+            <a:ext uri="{91240B29-F687-4F45-9708-019B960494DF}">
+              <a14:hiddenLine xmlns:a14="http://schemas.microsoft.com/office/drawing/2010/main" w="9525">
+                <a:solidFill>
+                  <a:srgbClr val="000000"/>
+                </a:solidFill>
+                <a:miter lim="800000"/>
+                <a:headEnd/>
+                <a:tailEnd/>
+              </a14:hiddenLine>
+            </a:ext>
+          </a:extLst>
+        </p:spPr>
+        <p:txBody>
+          <a:bodyPr/>
+          <a:lstStyle>
+            <a:lvl1pPr>
+              <a:spcBef>
+                <a:spcPts val="600"/>
+              </a:spcBef>
+              <a:buClr>
+                <a:schemeClr val="accent1"/>
+              </a:buClr>
+              <a:buSzPct val="80000"/>
+              <a:buFont typeface="Wingdings 2" charset="2"/>
+              <a:buChar char=""/>
+              <a:defRPr sz="3200">
+                <a:solidFill>
+                  <a:schemeClr val="tx1"/>
+                </a:solidFill>
+                <a:latin typeface="Gill Sans MT" charset="0"/>
+                <a:ea typeface="华文中宋" charset="-122"/>
+              </a:defRPr>
+            </a:lvl1pPr>
+            <a:lvl2pPr marL="742950" indent="-285750">
+              <a:spcBef>
+                <a:spcPts val="550"/>
+              </a:spcBef>
+              <a:buClr>
+                <a:schemeClr val="accent1"/>
+              </a:buClr>
+              <a:buFont typeface="Verdana" charset="0"/>
+              <a:buChar char="◦"/>
+              <a:defRPr sz="2800">
+                <a:solidFill>
+                  <a:schemeClr val="tx1"/>
+                </a:solidFill>
+                <a:latin typeface="Gill Sans MT" charset="0"/>
+                <a:ea typeface="华文中宋" charset="-122"/>
+              </a:defRPr>
+            </a:lvl2pPr>
+            <a:lvl3pPr marL="1143000" indent="-228600">
+              <a:spcBef>
+                <a:spcPct val="20000"/>
+              </a:spcBef>
+              <a:buClr>
+                <a:schemeClr val="accent2"/>
+              </a:buClr>
+              <a:buFont typeface="Wingdings 2" charset="2"/>
+              <a:buChar char=""/>
+              <a:defRPr sz="2400">
+                <a:solidFill>
+                  <a:schemeClr val="tx1"/>
+                </a:solidFill>
+                <a:latin typeface="Gill Sans MT" charset="0"/>
+                <a:ea typeface="华文中宋" charset="-122"/>
+              </a:defRPr>
+            </a:lvl3pPr>
+            <a:lvl4pPr marL="1600200" indent="-228600">
+              <a:spcBef>
+                <a:spcPct val="20000"/>
+              </a:spcBef>
+              <a:buClr>
+                <a:srgbClr val="9BBB59"/>
+              </a:buClr>
+              <a:buFont typeface="Wingdings 2" charset="2"/>
+              <a:buChar char=""/>
+              <a:defRPr sz="2000">
+                <a:solidFill>
+                  <a:schemeClr val="tx1"/>
+                </a:solidFill>
+                <a:latin typeface="Gill Sans MT" charset="0"/>
+                <a:ea typeface="华文中宋" charset="-122"/>
+              </a:defRPr>
+            </a:lvl4pPr>
+            <a:lvl5pPr marL="2057400" indent="-228600">
+              <a:spcBef>
+                <a:spcPct val="20000"/>
+              </a:spcBef>
+              <a:buClr>
+                <a:srgbClr val="8064A2"/>
+              </a:buClr>
+              <a:buFont typeface="Wingdings 2" charset="2"/>
+              <a:buChar char=""/>
+              <a:defRPr sz="2000">
+                <a:solidFill>
+                  <a:schemeClr val="tx1"/>
+                </a:solidFill>
+                <a:latin typeface="Gill Sans MT" charset="0"/>
+                <a:ea typeface="华文中宋" charset="-122"/>
+              </a:defRPr>
+            </a:lvl5pPr>
+            <a:lvl6pPr marL="2514600" indent="-228600" eaLnBrk="0" fontAlgn="base" hangingPunct="0">
+              <a:spcBef>
+                <a:spcPct val="20000"/>
+              </a:spcBef>
+              <a:spcAft>
+                <a:spcPct val="0"/>
+              </a:spcAft>
+              <a:buClr>
+                <a:srgbClr val="8064A2"/>
+              </a:buClr>
+              <a:buFont typeface="Wingdings 2" charset="2"/>
+              <a:buChar char=""/>
+              <a:defRPr sz="2000">
+                <a:solidFill>
+                  <a:schemeClr val="tx1"/>
+                </a:solidFill>
+                <a:latin typeface="Gill Sans MT" charset="0"/>
+                <a:ea typeface="华文中宋" charset="-122"/>
+              </a:defRPr>
+            </a:lvl6pPr>
+            <a:lvl7pPr marL="2971800" indent="-228600" eaLnBrk="0" fontAlgn="base" hangingPunct="0">
+              <a:spcBef>
+                <a:spcPct val="20000"/>
+              </a:spcBef>
+              <a:spcAft>
+                <a:spcPct val="0"/>
+              </a:spcAft>
+              <a:buClr>
+                <a:srgbClr val="8064A2"/>
+              </a:buClr>
+              <a:buFont typeface="Wingdings 2" charset="2"/>
+              <a:buChar char=""/>
+              <a:defRPr sz="2000">
+                <a:solidFill>
+                  <a:schemeClr val="tx1"/>
+                </a:solidFill>
+                <a:latin typeface="Gill Sans MT" charset="0"/>
+                <a:ea typeface="华文中宋" charset="-122"/>
+              </a:defRPr>
+            </a:lvl7pPr>
+            <a:lvl8pPr marL="3429000" indent="-228600" eaLnBrk="0" fontAlgn="base" hangingPunct="0">
+              <a:spcBef>
+                <a:spcPct val="20000"/>
+              </a:spcBef>
+              <a:spcAft>
+                <a:spcPct val="0"/>
+              </a:spcAft>
+              <a:buClr>
+                <a:srgbClr val="8064A2"/>
+              </a:buClr>
+              <a:buFont typeface="Wingdings 2" charset="2"/>
+              <a:buChar char=""/>
+              <a:defRPr sz="2000">
+                <a:solidFill>
+                  <a:schemeClr val="tx1"/>
+                </a:solidFill>
+                <a:latin typeface="Gill Sans MT" charset="0"/>
+                <a:ea typeface="华文中宋" charset="-122"/>
+              </a:defRPr>
+            </a:lvl8pPr>
+            <a:lvl9pPr marL="3886200" indent="-228600" eaLnBrk="0" fontAlgn="base" hangingPunct="0">
+              <a:spcBef>
+                <a:spcPct val="20000"/>
+              </a:spcBef>
+              <a:spcAft>
+                <a:spcPct val="0"/>
+              </a:spcAft>
+              <a:buClr>
+                <a:srgbClr val="8064A2"/>
+              </a:buClr>
+              <a:buFont typeface="Wingdings 2" charset="2"/>
+              <a:buChar char=""/>
+              <a:defRPr sz="2000">
+                <a:solidFill>
+                  <a:schemeClr val="tx1"/>
+                </a:solidFill>
+                <a:latin typeface="Gill Sans MT" charset="0"/>
+                <a:ea typeface="华文中宋" charset="-122"/>
+              </a:defRPr>
+            </a:lvl9pPr>
+          </a:lstStyle>
+          <a:p>
+            <a:pPr>
+              <a:spcBef>
+                <a:spcPct val="0"/>
+              </a:spcBef>
+              <a:buClrTx/>
+              <a:buSzTx/>
+              <a:buFontTx/>
+              <a:buNone/>
+            </a:pPr>
+            <a:fld id="{03CFA967-E2EA-5E4E-BC54-9D7F06FA4ECE}" type="slidenum">
+              <a:rPr lang="zh-CN" altLang="en-US" sz="1200">
+                <a:solidFill>
+                  <a:srgbClr val="B4B1A0"/>
+                </a:solidFill>
+              </a:rPr>
+              <a:pPr>
+                <a:spcBef>
+                  <a:spcPct val="0"/>
+                </a:spcBef>
+                <a:buClrTx/>
+                <a:buSzTx/>
+                <a:buFontTx/>
+                <a:buNone/>
+              </a:pPr>
+              <a:t>32</a:t>
+            </a:fld>
+            <a:endParaRPr lang="zh-CN" altLang="en-US" sz="1200">
+              <a:solidFill>
+                <a:srgbClr val="B4B1A0"/>
+              </a:solidFill>
+            </a:endParaRPr>
+          </a:p>
+        </p:txBody>
+      </p:sp>
+      <p:sp>
+        <p:nvSpPr>
+          <p:cNvPr id="19461" name="Rectangle 10"/>
+          <p:cNvSpPr>
+            <a:spLocks noChangeArrowheads="1"/>
+          </p:cNvSpPr>
+          <p:nvPr/>
+        </p:nvSpPr>
+        <p:spPr bwMode="auto">
+          <a:xfrm>
+            <a:off x="1714500" y="4429125"/>
+            <a:ext cx="3429000" cy="646113"/>
+          </a:xfrm>
+          <a:prstGeom prst="rect">
+            <a:avLst/>
+          </a:prstGeom>
+          <a:noFill/>
+          <a:ln>
+            <a:noFill/>
+          </a:ln>
+          <a:extLst>
+            <a:ext uri="{909E8E84-426E-40DD-AFC4-6F175D3DCCD1}">
+              <a14:hiddenFill xmlns:a14="http://schemas.microsoft.com/office/drawing/2010/main">
+                <a:solidFill>
+                  <a:srgbClr val="FFFFFF"/>
+                </a:solidFill>
+              </a14:hiddenFill>
+            </a:ext>
+            <a:ext uri="{91240B29-F687-4F45-9708-019B960494DF}">
+              <a14:hiddenLine xmlns:a14="http://schemas.microsoft.com/office/drawing/2010/main" w="9525">
+                <a:solidFill>
+                  <a:srgbClr val="000000"/>
+                </a:solidFill>
+                <a:miter lim="800000"/>
+                <a:headEnd/>
+                <a:tailEnd/>
+              </a14:hiddenLine>
+            </a:ext>
+          </a:extLst>
+        </p:spPr>
+        <p:txBody>
+          <a:bodyPr>
+            <a:spAutoFit/>
+          </a:bodyPr>
+          <a:lstStyle>
+            <a:lvl1pPr>
+              <a:spcBef>
+                <a:spcPts val="600"/>
+              </a:spcBef>
+              <a:buClr>
+                <a:schemeClr val="accent1"/>
+              </a:buClr>
+              <a:buSzPct val="80000"/>
+              <a:buFont typeface="Wingdings 2" charset="2"/>
+              <a:buChar char=""/>
+              <a:defRPr sz="3200">
+                <a:solidFill>
+                  <a:schemeClr val="tx1"/>
+                </a:solidFill>
+                <a:latin typeface="Gill Sans MT" charset="0"/>
+                <a:ea typeface="华文中宋" charset="-122"/>
+              </a:defRPr>
+            </a:lvl1pPr>
+            <a:lvl2pPr marL="742950" indent="-285750">
+              <a:spcBef>
+                <a:spcPts val="550"/>
+              </a:spcBef>
+              <a:buClr>
+                <a:schemeClr val="accent1"/>
+              </a:buClr>
+              <a:buFont typeface="Verdana" charset="0"/>
+              <a:buChar char="◦"/>
+              <a:defRPr sz="2800">
+                <a:solidFill>
+                  <a:schemeClr val="tx1"/>
+                </a:solidFill>
+                <a:latin typeface="Gill Sans MT" charset="0"/>
+                <a:ea typeface="华文中宋" charset="-122"/>
+              </a:defRPr>
+            </a:lvl2pPr>
+            <a:lvl3pPr marL="1143000" indent="-228600">
+              <a:spcBef>
+                <a:spcPct val="20000"/>
+              </a:spcBef>
+              <a:buClr>
+                <a:schemeClr val="accent2"/>
+              </a:buClr>
+              <a:buFont typeface="Wingdings 2" charset="2"/>
+              <a:buChar char=""/>
+              <a:defRPr sz="2400">
+                <a:solidFill>
+                  <a:schemeClr val="tx1"/>
+                </a:solidFill>
+                <a:latin typeface="Gill Sans MT" charset="0"/>
+                <a:ea typeface="华文中宋" charset="-122"/>
+              </a:defRPr>
+            </a:lvl3pPr>
+            <a:lvl4pPr marL="1600200" indent="-228600">
+              <a:spcBef>
+                <a:spcPct val="20000"/>
+              </a:spcBef>
+              <a:buClr>
+                <a:srgbClr val="9BBB59"/>
+              </a:buClr>
+              <a:buFont typeface="Wingdings 2" charset="2"/>
+              <a:buChar char=""/>
+              <a:defRPr sz="2000">
+                <a:solidFill>
+                  <a:schemeClr val="tx1"/>
+                </a:solidFill>
+                <a:latin typeface="Gill Sans MT" charset="0"/>
+                <a:ea typeface="华文中宋" charset="-122"/>
+              </a:defRPr>
+            </a:lvl4pPr>
+            <a:lvl5pPr marL="2057400" indent="-228600">
+              <a:spcBef>
+                <a:spcPct val="20000"/>
+              </a:spcBef>
+              <a:buClr>
+                <a:srgbClr val="8064A2"/>
+              </a:buClr>
+              <a:buFont typeface="Wingdings 2" charset="2"/>
+              <a:buChar char=""/>
+              <a:defRPr sz="2000">
+                <a:solidFill>
+                  <a:schemeClr val="tx1"/>
+                </a:solidFill>
+                <a:latin typeface="Gill Sans MT" charset="0"/>
+                <a:ea typeface="华文中宋" charset="-122"/>
+              </a:defRPr>
+            </a:lvl5pPr>
+            <a:lvl6pPr marL="2514600" indent="-228600" eaLnBrk="0" fontAlgn="base" hangingPunct="0">
+              <a:spcBef>
+                <a:spcPct val="20000"/>
+              </a:spcBef>
+              <a:spcAft>
+                <a:spcPct val="0"/>
+              </a:spcAft>
+              <a:buClr>
+                <a:srgbClr val="8064A2"/>
+              </a:buClr>
+              <a:buFont typeface="Wingdings 2" charset="2"/>
+              <a:buChar char=""/>
+              <a:defRPr sz="2000">
+                <a:solidFill>
+                  <a:schemeClr val="tx1"/>
+                </a:solidFill>
+                <a:latin typeface="Gill Sans MT" charset="0"/>
+                <a:ea typeface="华文中宋" charset="-122"/>
+              </a:defRPr>
+            </a:lvl6pPr>
+            <a:lvl7pPr marL="2971800" indent="-228600" eaLnBrk="0" fontAlgn="base" hangingPunct="0">
+              <a:spcBef>
+                <a:spcPct val="20000"/>
+              </a:spcBef>
+              <a:spcAft>
+                <a:spcPct val="0"/>
+              </a:spcAft>
+              <a:buClr>
+                <a:srgbClr val="8064A2"/>
+              </a:buClr>
+              <a:buFont typeface="Wingdings 2" charset="2"/>
+              <a:buChar char=""/>
+              <a:defRPr sz="2000">
+                <a:solidFill>
+                  <a:schemeClr val="tx1"/>
+                </a:solidFill>
+                <a:latin typeface="Gill Sans MT" charset="0"/>
+                <a:ea typeface="华文中宋" charset="-122"/>
+              </a:defRPr>
+            </a:lvl7pPr>
+            <a:lvl8pPr marL="3429000" indent="-228600" eaLnBrk="0" fontAlgn="base" hangingPunct="0">
+              <a:spcBef>
+                <a:spcPct val="20000"/>
+              </a:spcBef>
+              <a:spcAft>
+                <a:spcPct val="0"/>
+              </a:spcAft>
+              <a:buClr>
+                <a:srgbClr val="8064A2"/>
+              </a:buClr>
+              <a:buFont typeface="Wingdings 2" charset="2"/>
+              <a:buChar char=""/>
+              <a:defRPr sz="2000">
+                <a:solidFill>
+                  <a:schemeClr val="tx1"/>
+                </a:solidFill>
+                <a:latin typeface="Gill Sans MT" charset="0"/>
+                <a:ea typeface="华文中宋" charset="-122"/>
+              </a:defRPr>
+            </a:lvl8pPr>
+            <a:lvl9pPr marL="3886200" indent="-228600" eaLnBrk="0" fontAlgn="base" hangingPunct="0">
+              <a:spcBef>
+                <a:spcPct val="20000"/>
+              </a:spcBef>
+              <a:spcAft>
+                <a:spcPct val="0"/>
+              </a:spcAft>
+              <a:buClr>
+                <a:srgbClr val="8064A2"/>
+              </a:buClr>
+              <a:buFont typeface="Wingdings 2" charset="2"/>
+              <a:buChar char=""/>
+              <a:defRPr sz="2000">
+                <a:solidFill>
+                  <a:schemeClr val="tx1"/>
+                </a:solidFill>
+                <a:latin typeface="Gill Sans MT" charset="0"/>
+                <a:ea typeface="华文中宋" charset="-122"/>
+              </a:defRPr>
+            </a:lvl9pPr>
+          </a:lstStyle>
+          <a:p>
+            <a:pPr eaLnBrk="1" hangingPunct="1">
+              <a:spcBef>
+                <a:spcPct val="0"/>
+              </a:spcBef>
+              <a:buClrTx/>
+              <a:buSzTx/>
+              <a:buFontTx/>
+              <a:buNone/>
+            </a:pPr>
+            <a:r>
+              <a:rPr lang="en-US" altLang="zh-CN" sz="1800">
+                <a:latin typeface="Arial" charset="0"/>
+                <a:ea typeface="宋体" charset="-122"/>
+              </a:rPr>
+              <a:t>Failed site can properly recover without consulting other sites.</a:t>
+            </a:r>
+            <a:endParaRPr lang="zh-CN" altLang="en-US" sz="1800">
+              <a:latin typeface="Arial" charset="0"/>
+              <a:ea typeface="宋体" charset="-122"/>
+            </a:endParaRPr>
+          </a:p>
+        </p:txBody>
+      </p:sp>
+      <p:sp>
+        <p:nvSpPr>
+          <p:cNvPr id="19462" name="Rectangle 11"/>
+          <p:cNvSpPr>
+            <a:spLocks noChangeArrowheads="1"/>
+          </p:cNvSpPr>
+          <p:nvPr/>
+        </p:nvSpPr>
+        <p:spPr bwMode="auto">
+          <a:xfrm>
+            <a:off x="5214938" y="4429125"/>
+            <a:ext cx="3643312" cy="923925"/>
+          </a:xfrm>
+          <a:prstGeom prst="rect">
+            <a:avLst/>
+          </a:prstGeom>
+          <a:noFill/>
+          <a:ln>
+            <a:noFill/>
+          </a:ln>
+          <a:extLst>
+            <a:ext uri="{909E8E84-426E-40DD-AFC4-6F175D3DCCD1}">
+              <a14:hiddenFill xmlns:a14="http://schemas.microsoft.com/office/drawing/2010/main">
+                <a:solidFill>
+                  <a:srgbClr val="FFFFFF"/>
+                </a:solidFill>
+              </a14:hiddenFill>
+            </a:ext>
+            <a:ext uri="{91240B29-F687-4F45-9708-019B960494DF}">
+              <a14:hiddenLine xmlns:a14="http://schemas.microsoft.com/office/drawing/2010/main" w="9525">
+                <a:solidFill>
+                  <a:srgbClr val="000000"/>
+                </a:solidFill>
+                <a:miter lim="800000"/>
+                <a:headEnd/>
+                <a:tailEnd/>
+              </a14:hiddenLine>
+            </a:ext>
+          </a:extLst>
+        </p:spPr>
+        <p:txBody>
+          <a:bodyPr>
+            <a:spAutoFit/>
+          </a:bodyPr>
+          <a:lstStyle>
+            <a:lvl1pPr>
+              <a:spcBef>
+                <a:spcPts val="600"/>
+              </a:spcBef>
+              <a:buClr>
+                <a:schemeClr val="accent1"/>
+              </a:buClr>
+              <a:buSzPct val="80000"/>
+              <a:buFont typeface="Wingdings 2" charset="2"/>
+              <a:buChar char=""/>
+              <a:defRPr sz="3200">
+                <a:solidFill>
+                  <a:schemeClr val="tx1"/>
+                </a:solidFill>
+                <a:latin typeface="Gill Sans MT" charset="0"/>
+                <a:ea typeface="华文中宋" charset="-122"/>
+              </a:defRPr>
+            </a:lvl1pPr>
+            <a:lvl2pPr marL="742950" indent="-285750">
+              <a:spcBef>
+                <a:spcPts val="550"/>
+              </a:spcBef>
+              <a:buClr>
+                <a:schemeClr val="accent1"/>
+              </a:buClr>
+              <a:buFont typeface="Verdana" charset="0"/>
+              <a:buChar char="◦"/>
+              <a:defRPr sz="2800">
+                <a:solidFill>
+                  <a:schemeClr val="tx1"/>
+                </a:solidFill>
+                <a:latin typeface="Gill Sans MT" charset="0"/>
+                <a:ea typeface="华文中宋" charset="-122"/>
+              </a:defRPr>
+            </a:lvl2pPr>
+            <a:lvl3pPr marL="1143000" indent="-228600">
+              <a:spcBef>
+                <a:spcPct val="20000"/>
+              </a:spcBef>
+              <a:buClr>
+                <a:schemeClr val="accent2"/>
+              </a:buClr>
+              <a:buFont typeface="Wingdings 2" charset="2"/>
+              <a:buChar char=""/>
+              <a:defRPr sz="2400">
+                <a:solidFill>
+                  <a:schemeClr val="tx1"/>
+                </a:solidFill>
+                <a:latin typeface="Gill Sans MT" charset="0"/>
+                <a:ea typeface="华文中宋" charset="-122"/>
+              </a:defRPr>
+            </a:lvl3pPr>
+            <a:lvl4pPr marL="1600200" indent="-228600">
+              <a:spcBef>
+                <a:spcPct val="20000"/>
+              </a:spcBef>
+              <a:buClr>
+                <a:srgbClr val="9BBB59"/>
+              </a:buClr>
+              <a:buFont typeface="Wingdings 2" charset="2"/>
+              <a:buChar char=""/>
+              <a:defRPr sz="2000">
+                <a:solidFill>
+                  <a:schemeClr val="tx1"/>
+                </a:solidFill>
+                <a:latin typeface="Gill Sans MT" charset="0"/>
+                <a:ea typeface="华文中宋" charset="-122"/>
+              </a:defRPr>
+            </a:lvl4pPr>
+            <a:lvl5pPr marL="2057400" indent="-228600">
+              <a:spcBef>
+                <a:spcPct val="20000"/>
+              </a:spcBef>
+              <a:buClr>
+                <a:srgbClr val="8064A2"/>
+              </a:buClr>
+              <a:buFont typeface="Wingdings 2" charset="2"/>
+              <a:buChar char=""/>
+              <a:defRPr sz="2000">
+                <a:solidFill>
+                  <a:schemeClr val="tx1"/>
+                </a:solidFill>
+                <a:latin typeface="Gill Sans MT" charset="0"/>
+                <a:ea typeface="华文中宋" charset="-122"/>
+              </a:defRPr>
+            </a:lvl5pPr>
+            <a:lvl6pPr marL="2514600" indent="-228600" eaLnBrk="0" fontAlgn="base" hangingPunct="0">
+              <a:spcBef>
+                <a:spcPct val="20000"/>
+              </a:spcBef>
+              <a:spcAft>
+                <a:spcPct val="0"/>
+              </a:spcAft>
+              <a:buClr>
+                <a:srgbClr val="8064A2"/>
+              </a:buClr>
+              <a:buFont typeface="Wingdings 2" charset="2"/>
+              <a:buChar char=""/>
+              <a:defRPr sz="2000">
+                <a:solidFill>
+                  <a:schemeClr val="tx1"/>
+                </a:solidFill>
+                <a:latin typeface="Gill Sans MT" charset="0"/>
+                <a:ea typeface="华文中宋" charset="-122"/>
+              </a:defRPr>
+            </a:lvl6pPr>
+            <a:lvl7pPr marL="2971800" indent="-228600" eaLnBrk="0" fontAlgn="base" hangingPunct="0">
+              <a:spcBef>
+                <a:spcPct val="20000"/>
+              </a:spcBef>
+              <a:spcAft>
+                <a:spcPct val="0"/>
+              </a:spcAft>
+              <a:buClr>
+                <a:srgbClr val="8064A2"/>
+              </a:buClr>
+              <a:buFont typeface="Wingdings 2" charset="2"/>
+              <a:buChar char=""/>
+              <a:defRPr sz="2000">
+                <a:solidFill>
+                  <a:schemeClr val="tx1"/>
+                </a:solidFill>
+                <a:latin typeface="Gill Sans MT" charset="0"/>
+                <a:ea typeface="华文中宋" charset="-122"/>
+              </a:defRPr>
+            </a:lvl7pPr>
+            <a:lvl8pPr marL="3429000" indent="-228600" eaLnBrk="0" fontAlgn="base" hangingPunct="0">
+              <a:spcBef>
+                <a:spcPct val="20000"/>
+              </a:spcBef>
+              <a:spcAft>
+                <a:spcPct val="0"/>
+              </a:spcAft>
+              <a:buClr>
+                <a:srgbClr val="8064A2"/>
+              </a:buClr>
+              <a:buFont typeface="Wingdings 2" charset="2"/>
+              <a:buChar char=""/>
+              <a:defRPr sz="2000">
+                <a:solidFill>
+                  <a:schemeClr val="tx1"/>
+                </a:solidFill>
+                <a:latin typeface="Gill Sans MT" charset="0"/>
+                <a:ea typeface="华文中宋" charset="-122"/>
+              </a:defRPr>
+            </a:lvl8pPr>
+            <a:lvl9pPr marL="3886200" indent="-228600" eaLnBrk="0" fontAlgn="base" hangingPunct="0">
+              <a:spcBef>
+                <a:spcPct val="20000"/>
+              </a:spcBef>
+              <a:spcAft>
+                <a:spcPct val="0"/>
+              </a:spcAft>
+              <a:buClr>
+                <a:srgbClr val="8064A2"/>
+              </a:buClr>
+              <a:buFont typeface="Wingdings 2" charset="2"/>
+              <a:buChar char=""/>
+              <a:defRPr sz="2000">
+                <a:solidFill>
+                  <a:schemeClr val="tx1"/>
+                </a:solidFill>
+                <a:latin typeface="Gill Sans MT" charset="0"/>
+                <a:ea typeface="华文中宋" charset="-122"/>
+              </a:defRPr>
+            </a:lvl9pPr>
+          </a:lstStyle>
+          <a:p>
+            <a:pPr eaLnBrk="1" hangingPunct="1">
+              <a:spcBef>
+                <a:spcPct val="0"/>
+              </a:spcBef>
+              <a:buClrTx/>
+              <a:buSzTx/>
+              <a:buFontTx/>
+              <a:buNone/>
+            </a:pPr>
+            <a:r>
+              <a:rPr lang="en-US" altLang="zh-CN" sz="1800" dirty="0">
+                <a:solidFill>
+                  <a:srgbClr val="FF0000"/>
+                </a:solidFill>
+                <a:latin typeface="Arial" charset="0"/>
+                <a:ea typeface="宋体" charset="-122"/>
+              </a:rPr>
+              <a:t>Operational site can properly terminate </a:t>
+            </a:r>
+            <a:r>
+              <a:rPr lang="en-US" altLang="zh-CN" sz="1800" dirty="0" smtClean="0">
+                <a:solidFill>
+                  <a:srgbClr val="FF0000"/>
+                </a:solidFill>
+                <a:latin typeface="Arial" charset="0"/>
+                <a:ea typeface="宋体" charset="-122"/>
+              </a:rPr>
+              <a:t>without </a:t>
+            </a:r>
+            <a:r>
+              <a:rPr lang="en-US" altLang="zh-CN" sz="1800" dirty="0">
+                <a:solidFill>
+                  <a:srgbClr val="FF0000"/>
+                </a:solidFill>
+                <a:latin typeface="Arial" charset="0"/>
+                <a:ea typeface="宋体" charset="-122"/>
+              </a:rPr>
+              <a:t>waiting for the recovery of failed site.</a:t>
+            </a:r>
+            <a:endParaRPr lang="zh-CN" altLang="en-US" sz="1800" dirty="0">
+              <a:solidFill>
+                <a:srgbClr val="FF0000"/>
+              </a:solidFill>
+              <a:latin typeface="Arial" charset="0"/>
+              <a:ea typeface="宋体" charset="-122"/>
+            </a:endParaRPr>
+          </a:p>
+        </p:txBody>
+      </p:sp>
+      <p:pic>
+        <p:nvPicPr>
+          <p:cNvPr id="19463" name="Picture 3"/>
+          <p:cNvPicPr>
+            <a:picLocks noChangeAspect="1" noChangeArrowheads="1"/>
+          </p:cNvPicPr>
+          <p:nvPr/>
+        </p:nvPicPr>
+        <p:blipFill>
+          <a:blip r:embed="rId2">
+            <a:extLst>
+              <a:ext uri="{28A0092B-C50C-407E-A947-70E740481C1C}">
+                <a14:useLocalDpi xmlns:a14="http://schemas.microsoft.com/office/drawing/2010/main" val="0"/>
+              </a:ext>
+            </a:extLst>
+          </a:blip>
+          <a:srcRect/>
+          <a:stretch>
+            <a:fillRect/>
+          </a:stretch>
+        </p:blipFill>
+        <p:spPr bwMode="auto">
+          <a:xfrm>
+            <a:off x="2571750" y="2071688"/>
+            <a:ext cx="4857750" cy="2085975"/>
+          </a:xfrm>
+          <a:prstGeom prst="rect">
+            <a:avLst/>
+          </a:prstGeom>
+          <a:noFill/>
+          <a:ln>
+            <a:noFill/>
+          </a:ln>
+          <a:extLst>
+            <a:ext uri="{909E8E84-426E-40DD-AFC4-6F175D3DCCD1}">
+              <a14:hiddenFill xmlns:a14="http://schemas.microsoft.com/office/drawing/2010/main">
+                <a:solidFill>
+                  <a:srgbClr val="FFFFFF"/>
+                </a:solidFill>
+              </a14:hiddenFill>
+            </a:ext>
+            <a:ext uri="{91240B29-F687-4F45-9708-019B960494DF}">
+              <a14:hiddenLine xmlns:a14="http://schemas.microsoft.com/office/drawing/2010/main" w="9525">
+                <a:solidFill>
+                  <a:srgbClr val="000000"/>
+                </a:solidFill>
+                <a:miter lim="800000"/>
+                <a:headEnd/>
+                <a:tailEnd/>
+              </a14:hiddenLine>
+            </a:ext>
+          </a:extLst>
+        </p:spPr>
+      </p:pic>
+      <p:cxnSp>
+        <p:nvCxnSpPr>
+          <p:cNvPr id="15" name="Straight Arrow Connector 14"/>
+          <p:cNvCxnSpPr/>
+          <p:nvPr/>
+        </p:nvCxnSpPr>
+        <p:spPr>
+          <a:xfrm rot="5400000" flipH="1" flipV="1">
+            <a:off x="2607469" y="4036219"/>
+            <a:ext cx="500062" cy="285750"/>
+          </a:xfrm>
+          <a:prstGeom prst="straightConnector1">
+            <a:avLst/>
+          </a:prstGeom>
+          <a:ln w="31750">
+            <a:solidFill>
+              <a:srgbClr val="0000FF"/>
+            </a:solidFill>
+            <a:tailEnd type="arrow"/>
+          </a:ln>
+        </p:spPr>
+        <p:style>
+          <a:lnRef idx="1">
+            <a:schemeClr val="accent1"/>
+          </a:lnRef>
+          <a:fillRef idx="0">
+            <a:schemeClr val="accent1"/>
+          </a:fillRef>
+          <a:effectRef idx="0">
+            <a:schemeClr val="accent1"/>
+          </a:effectRef>
+          <a:fontRef idx="minor">
+            <a:schemeClr val="tx1"/>
+          </a:fontRef>
+        </p:style>
+      </p:cxnSp>
+      <p:cxnSp>
+        <p:nvCxnSpPr>
+          <p:cNvPr id="16" name="Straight Arrow Connector 15"/>
+          <p:cNvCxnSpPr/>
+          <p:nvPr/>
+        </p:nvCxnSpPr>
+        <p:spPr>
+          <a:xfrm rot="16200000" flipV="1">
+            <a:off x="6623844" y="4091782"/>
+            <a:ext cx="504825" cy="179387"/>
+          </a:xfrm>
+          <a:prstGeom prst="straightConnector1">
+            <a:avLst/>
+          </a:prstGeom>
+          <a:ln w="31750">
+            <a:solidFill>
+              <a:srgbClr val="0000FF"/>
+            </a:solidFill>
+            <a:tailEnd type="arrow"/>
+          </a:ln>
+        </p:spPr>
+        <p:style>
+          <a:lnRef idx="1">
+            <a:schemeClr val="accent1"/>
+          </a:lnRef>
+          <a:fillRef idx="0">
+            <a:schemeClr val="accent1"/>
+          </a:fillRef>
+          <a:effectRef idx="0">
+            <a:schemeClr val="accent1"/>
+          </a:effectRef>
+          <a:fontRef idx="minor">
+            <a:schemeClr val="tx1"/>
+          </a:fontRef>
+        </p:style>
+      </p:cxnSp>
+      <p:sp>
+        <p:nvSpPr>
+          <p:cNvPr id="27" name="Rectangle 26"/>
+          <p:cNvSpPr/>
+          <p:nvPr/>
+        </p:nvSpPr>
+        <p:spPr>
+          <a:xfrm>
+            <a:off x="1714500" y="5429250"/>
+            <a:ext cx="6929438" cy="830263"/>
+          </a:xfrm>
+          <a:prstGeom prst="rect">
+            <a:avLst/>
+          </a:prstGeom>
+        </p:spPr>
+        <p:style>
+          <a:lnRef idx="2">
+            <a:schemeClr val="accent1"/>
+          </a:lnRef>
+          <a:fillRef idx="1">
+            <a:schemeClr val="lt1"/>
+          </a:fillRef>
+          <a:effectRef idx="0">
+            <a:schemeClr val="accent1"/>
+          </a:effectRef>
+          <a:fontRef idx="minor">
+            <a:schemeClr val="dk1"/>
+          </a:fontRef>
+        </p:style>
+        <p:txBody>
+          <a:bodyPr>
+            <a:spAutoFit/>
+          </a:bodyPr>
+          <a:lstStyle/>
+          <a:p>
+            <a:pPr eaLnBrk="1" hangingPunct="1">
+              <a:defRPr/>
+            </a:pPr>
+            <a:r>
+              <a:rPr lang="en-US" sz="2400" dirty="0">
+                <a:solidFill>
+                  <a:schemeClr val="tx2"/>
+                </a:solidFill>
+              </a:rPr>
+              <a:t>Independent recovery and non-blocking protocols exist only for </a:t>
+            </a:r>
+            <a:r>
+              <a:rPr lang="en-US" sz="2400" dirty="0">
+                <a:solidFill>
+                  <a:srgbClr val="FF0000"/>
+                </a:solidFill>
+              </a:rPr>
+              <a:t>single-site</a:t>
+            </a:r>
+            <a:r>
+              <a:rPr lang="en-US" sz="2400" dirty="0">
+                <a:solidFill>
+                  <a:schemeClr val="tx2"/>
+                </a:solidFill>
+              </a:rPr>
+              <a:t> failures.</a:t>
+            </a:r>
+            <a:endParaRPr lang="zh-CN" altLang="en-US" sz="2400" dirty="0">
+              <a:solidFill>
+                <a:schemeClr val="tx2"/>
+              </a:solidFill>
+            </a:endParaRPr>
+          </a:p>
+        </p:txBody>
+      </p:sp>
+    </p:spTree>
+    <p:extLst>
+      <p:ext uri="{BB962C8B-B14F-4D97-AF65-F5344CB8AC3E}">
+        <p14:creationId xmlns:p14="http://schemas.microsoft.com/office/powerpoint/2010/main" val="1146358683"/>
+      </p:ext>
+    </p:extLst>
+  </p:cSld>
+  <p:clrMapOvr>
+    <a:masterClrMapping/>
+  </p:clrMapOvr>
+  <p:timing>
+    <p:tnLst>
+      <p:par>
+        <p:cTn id="1" dur="indefinite" restart="never" nodeType="tmRoot"/>
+      </p:par>
+    </p:tnLst>
+  </p:timing>
+</p:sld>
+</file>
+
+<file path=ppt/slides/slide33.xml><?xml version="1.0" encoding="utf-8"?>
+<p:sld xmlns:a="http://schemas.openxmlformats.org/drawingml/2006/main" xmlns:r="http://schemas.openxmlformats.org/officeDocument/2006/relationships" xmlns:p="http://schemas.openxmlformats.org/presentationml/2006/main">
+  <p:cSld>
+    <p:spTree>
+      <p:nvGrpSpPr>
+        <p:cNvPr id="1" name=""/>
+        <p:cNvGrpSpPr/>
+        <p:nvPr/>
+      </p:nvGrpSpPr>
+      <p:grpSpPr>
+        <a:xfrm>
+          <a:off x="0" y="0"/>
+          <a:ext cx="0" cy="0"/>
+          <a:chOff x="0" y="0"/>
+          <a:chExt cx="0" cy="0"/>
+        </a:xfrm>
+      </p:grpSpPr>
+      <p:pic>
+        <p:nvPicPr>
+          <p:cNvPr id="8" name="Picture 7"/>
+          <p:cNvPicPr>
+            <a:picLocks noChangeAspect="1"/>
+          </p:cNvPicPr>
+          <p:nvPr/>
+        </p:nvPicPr>
+        <p:blipFill>
+          <a:blip r:embed="rId2">
+            <a:extLst>
+              <a:ext uri="{28A0092B-C50C-407E-A947-70E740481C1C}">
+                <a14:useLocalDpi xmlns:a14="http://schemas.microsoft.com/office/drawing/2010/main" val="0"/>
+              </a:ext>
+            </a:extLst>
+          </a:blip>
+          <a:stretch>
+            <a:fillRect/>
+          </a:stretch>
+        </p:blipFill>
+        <p:spPr>
+          <a:xfrm>
+            <a:off x="3144754" y="2636912"/>
+            <a:ext cx="4018046" cy="3384376"/>
+          </a:xfrm>
+          <a:prstGeom prst="rect">
+            <a:avLst/>
+          </a:prstGeom>
+        </p:spPr>
+      </p:pic>
+      <p:sp>
+        <p:nvSpPr>
+          <p:cNvPr id="2" name="Title 1"/>
+          <p:cNvSpPr>
+            <a:spLocks noGrp="1"/>
+          </p:cNvSpPr>
+          <p:nvPr>
+            <p:ph type="title"/>
+          </p:nvPr>
+        </p:nvSpPr>
+        <p:spPr/>
+        <p:txBody>
+          <a:bodyPr/>
+          <a:lstStyle/>
+          <a:p>
+            <a:pPr eaLnBrk="1" hangingPunct="1">
+              <a:defRPr/>
+            </a:pPr>
+            <a:r>
+              <a:rPr lang="en-US" dirty="0" smtClean="0"/>
+              <a:t>Problem with 2PC</a:t>
+            </a:r>
+            <a:endParaRPr lang="zh-CN" altLang="en-US" dirty="0"/>
+          </a:p>
+        </p:txBody>
+      </p:sp>
+      <p:sp>
+        <p:nvSpPr>
+          <p:cNvPr id="20482" name="Content Placeholder 2"/>
+          <p:cNvSpPr>
+            <a:spLocks noGrp="1"/>
+          </p:cNvSpPr>
+          <p:nvPr>
+            <p:ph idx="1"/>
+          </p:nvPr>
+        </p:nvSpPr>
+        <p:spPr/>
+        <p:txBody>
+          <a:bodyPr/>
+          <a:lstStyle/>
+          <a:p>
+            <a:pPr eaLnBrk="1" hangingPunct="1"/>
+            <a:r>
+              <a:rPr lang="en-US" altLang="zh-CN" dirty="0"/>
+              <a:t>2PC is </a:t>
+            </a:r>
+            <a:r>
+              <a:rPr lang="en-US" altLang="zh-CN" dirty="0">
+                <a:solidFill>
+                  <a:srgbClr val="FF0000"/>
+                </a:solidFill>
+              </a:rPr>
+              <a:t>inherently blocking </a:t>
+            </a:r>
+            <a:r>
+              <a:rPr lang="en-US" altLang="zh-CN" dirty="0" smtClean="0"/>
+              <a:t>!</a:t>
+            </a:r>
+          </a:p>
+          <a:p>
+            <a:pPr eaLnBrk="1" hangingPunct="1"/>
+            <a:r>
+              <a:rPr lang="en-US" altLang="zh-CN" dirty="0" smtClean="0"/>
+              <a:t>Example</a:t>
+            </a:r>
+            <a:r>
+              <a:rPr lang="zh-CN" altLang="en-US" dirty="0" smtClean="0"/>
+              <a:t> </a:t>
+            </a:r>
+            <a:r>
+              <a:rPr lang="en-US" altLang="zh-CN" dirty="0" smtClean="0"/>
+              <a:t>1</a:t>
+            </a:r>
+            <a:endParaRPr lang="zh-CN" altLang="en-US" dirty="0"/>
+          </a:p>
+        </p:txBody>
+      </p:sp>
+      <p:sp>
+        <p:nvSpPr>
+          <p:cNvPr id="4" name="Footer Placeholder 3"/>
+          <p:cNvSpPr>
+            <a:spLocks noGrp="1"/>
+          </p:cNvSpPr>
+          <p:nvPr>
+            <p:ph type="ftr" sz="quarter" idx="11"/>
+          </p:nvPr>
+        </p:nvSpPr>
+        <p:spPr/>
+        <p:txBody>
+          <a:bodyPr/>
+          <a:lstStyle/>
+          <a:p>
+            <a:pPr>
+              <a:defRPr/>
+            </a:pPr>
+            <a:r>
+              <a:rPr lang="en-US" altLang="zh-CN" smtClean="0"/>
+              <a:t>Distributed Database Systems</a:t>
+            </a:r>
+            <a:endParaRPr lang="zh-CN" altLang="en-US"/>
+          </a:p>
+        </p:txBody>
+      </p:sp>
+      <p:sp>
+        <p:nvSpPr>
+          <p:cNvPr id="20484" name="Slide Number Placeholder 4"/>
+          <p:cNvSpPr>
+            <a:spLocks noGrp="1"/>
+          </p:cNvSpPr>
+          <p:nvPr>
+            <p:ph type="sldNum" sz="quarter" idx="12"/>
+          </p:nvPr>
+        </p:nvSpPr>
+        <p:spPr bwMode="auto">
+          <a:noFill/>
+          <a:extLst>
+            <a:ext uri="{909E8E84-426E-40DD-AFC4-6F175D3DCCD1}">
+              <a14:hiddenFill xmlns:a14="http://schemas.microsoft.com/office/drawing/2010/main">
+                <a:solidFill>
+                  <a:srgbClr val="FFFFFF"/>
+                </a:solidFill>
+              </a14:hiddenFill>
+            </a:ext>
+            <a:ext uri="{91240B29-F687-4F45-9708-019B960494DF}">
+              <a14:hiddenLine xmlns:a14="http://schemas.microsoft.com/office/drawing/2010/main" w="9525">
+                <a:solidFill>
+                  <a:srgbClr val="000000"/>
+                </a:solidFill>
+                <a:miter lim="800000"/>
+                <a:headEnd/>
+                <a:tailEnd/>
+              </a14:hiddenLine>
+            </a:ext>
+          </a:extLst>
+        </p:spPr>
+        <p:txBody>
+          <a:bodyPr/>
+          <a:lstStyle>
+            <a:lvl1pPr>
+              <a:spcBef>
+                <a:spcPts val="600"/>
+              </a:spcBef>
+              <a:buClr>
+                <a:schemeClr val="accent1"/>
+              </a:buClr>
+              <a:buSzPct val="80000"/>
+              <a:buFont typeface="Wingdings 2" charset="2"/>
+              <a:buChar char=""/>
+              <a:defRPr sz="3200">
+                <a:solidFill>
+                  <a:schemeClr val="tx1"/>
+                </a:solidFill>
+                <a:latin typeface="Gill Sans MT" charset="0"/>
+                <a:ea typeface="华文中宋" charset="-122"/>
+              </a:defRPr>
+            </a:lvl1pPr>
+            <a:lvl2pPr marL="742950" indent="-285750">
+              <a:spcBef>
+                <a:spcPts val="550"/>
+              </a:spcBef>
+              <a:buClr>
+                <a:schemeClr val="accent1"/>
+              </a:buClr>
+              <a:buFont typeface="Verdana" charset="0"/>
+              <a:buChar char="◦"/>
+              <a:defRPr sz="2800">
+                <a:solidFill>
+                  <a:schemeClr val="tx1"/>
+                </a:solidFill>
+                <a:latin typeface="Gill Sans MT" charset="0"/>
+                <a:ea typeface="华文中宋" charset="-122"/>
+              </a:defRPr>
+            </a:lvl2pPr>
+            <a:lvl3pPr marL="1143000" indent="-228600">
+              <a:spcBef>
+                <a:spcPct val="20000"/>
+              </a:spcBef>
+              <a:buClr>
+                <a:schemeClr val="accent2"/>
+              </a:buClr>
+              <a:buFont typeface="Wingdings 2" charset="2"/>
+              <a:buChar char=""/>
+              <a:defRPr sz="2400">
+                <a:solidFill>
+                  <a:schemeClr val="tx1"/>
+                </a:solidFill>
+                <a:latin typeface="Gill Sans MT" charset="0"/>
+                <a:ea typeface="华文中宋" charset="-122"/>
+              </a:defRPr>
+            </a:lvl3pPr>
+            <a:lvl4pPr marL="1600200" indent="-228600">
+              <a:spcBef>
+                <a:spcPct val="20000"/>
+              </a:spcBef>
+              <a:buClr>
+                <a:srgbClr val="9BBB59"/>
+              </a:buClr>
+              <a:buFont typeface="Wingdings 2" charset="2"/>
+              <a:buChar char=""/>
+              <a:defRPr sz="2000">
+                <a:solidFill>
+                  <a:schemeClr val="tx1"/>
+                </a:solidFill>
+                <a:latin typeface="Gill Sans MT" charset="0"/>
+                <a:ea typeface="华文中宋" charset="-122"/>
+              </a:defRPr>
+            </a:lvl4pPr>
+            <a:lvl5pPr marL="2057400" indent="-228600">
+              <a:spcBef>
+                <a:spcPct val="20000"/>
+              </a:spcBef>
+              <a:buClr>
+                <a:srgbClr val="8064A2"/>
+              </a:buClr>
+              <a:buFont typeface="Wingdings 2" charset="2"/>
+              <a:buChar char=""/>
+              <a:defRPr sz="2000">
+                <a:solidFill>
+                  <a:schemeClr val="tx1"/>
+                </a:solidFill>
+                <a:latin typeface="Gill Sans MT" charset="0"/>
+                <a:ea typeface="华文中宋" charset="-122"/>
+              </a:defRPr>
+            </a:lvl5pPr>
+            <a:lvl6pPr marL="2514600" indent="-228600" eaLnBrk="0" fontAlgn="base" hangingPunct="0">
+              <a:spcBef>
+                <a:spcPct val="20000"/>
+              </a:spcBef>
+              <a:spcAft>
+                <a:spcPct val="0"/>
+              </a:spcAft>
+              <a:buClr>
+                <a:srgbClr val="8064A2"/>
+              </a:buClr>
+              <a:buFont typeface="Wingdings 2" charset="2"/>
+              <a:buChar char=""/>
+              <a:defRPr sz="2000">
+                <a:solidFill>
+                  <a:schemeClr val="tx1"/>
+                </a:solidFill>
+                <a:latin typeface="Gill Sans MT" charset="0"/>
+                <a:ea typeface="华文中宋" charset="-122"/>
+              </a:defRPr>
+            </a:lvl6pPr>
+            <a:lvl7pPr marL="2971800" indent="-228600" eaLnBrk="0" fontAlgn="base" hangingPunct="0">
+              <a:spcBef>
+                <a:spcPct val="20000"/>
+              </a:spcBef>
+              <a:spcAft>
+                <a:spcPct val="0"/>
+              </a:spcAft>
+              <a:buClr>
+                <a:srgbClr val="8064A2"/>
+              </a:buClr>
+              <a:buFont typeface="Wingdings 2" charset="2"/>
+              <a:buChar char=""/>
+              <a:defRPr sz="2000">
+                <a:solidFill>
+                  <a:schemeClr val="tx1"/>
+                </a:solidFill>
+                <a:latin typeface="Gill Sans MT" charset="0"/>
+                <a:ea typeface="华文中宋" charset="-122"/>
+              </a:defRPr>
+            </a:lvl7pPr>
+            <a:lvl8pPr marL="3429000" indent="-228600" eaLnBrk="0" fontAlgn="base" hangingPunct="0">
+              <a:spcBef>
+                <a:spcPct val="20000"/>
+              </a:spcBef>
+              <a:spcAft>
+                <a:spcPct val="0"/>
+              </a:spcAft>
+              <a:buClr>
+                <a:srgbClr val="8064A2"/>
+              </a:buClr>
+              <a:buFont typeface="Wingdings 2" charset="2"/>
+              <a:buChar char=""/>
+              <a:defRPr sz="2000">
+                <a:solidFill>
+                  <a:schemeClr val="tx1"/>
+                </a:solidFill>
+                <a:latin typeface="Gill Sans MT" charset="0"/>
+                <a:ea typeface="华文中宋" charset="-122"/>
+              </a:defRPr>
+            </a:lvl8pPr>
+            <a:lvl9pPr marL="3886200" indent="-228600" eaLnBrk="0" fontAlgn="base" hangingPunct="0">
+              <a:spcBef>
+                <a:spcPct val="20000"/>
+              </a:spcBef>
+              <a:spcAft>
+                <a:spcPct val="0"/>
+              </a:spcAft>
+              <a:buClr>
+                <a:srgbClr val="8064A2"/>
+              </a:buClr>
+              <a:buFont typeface="Wingdings 2" charset="2"/>
+              <a:buChar char=""/>
+              <a:defRPr sz="2000">
+                <a:solidFill>
+                  <a:schemeClr val="tx1"/>
+                </a:solidFill>
+                <a:latin typeface="Gill Sans MT" charset="0"/>
+                <a:ea typeface="华文中宋" charset="-122"/>
+              </a:defRPr>
+            </a:lvl9pPr>
+          </a:lstStyle>
+          <a:p>
+            <a:pPr>
+              <a:spcBef>
+                <a:spcPct val="0"/>
+              </a:spcBef>
+              <a:buClrTx/>
+              <a:buSzTx/>
+              <a:buFontTx/>
+              <a:buNone/>
+            </a:pPr>
+            <a:fld id="{31AEEA37-93D8-1446-A270-BC81F37F9F03}" type="slidenum">
+              <a:rPr lang="zh-CN" altLang="en-US" sz="1200">
+                <a:solidFill>
+                  <a:srgbClr val="B4B1A0"/>
+                </a:solidFill>
+              </a:rPr>
+              <a:pPr>
+                <a:spcBef>
+                  <a:spcPct val="0"/>
+                </a:spcBef>
+                <a:buClrTx/>
+                <a:buSzTx/>
+                <a:buFontTx/>
+                <a:buNone/>
+              </a:pPr>
+              <a:t>33</a:t>
+            </a:fld>
+            <a:endParaRPr lang="zh-CN" altLang="en-US" sz="1200">
+              <a:solidFill>
+                <a:srgbClr val="B4B1A0"/>
+              </a:solidFill>
+            </a:endParaRPr>
+          </a:p>
+        </p:txBody>
+      </p:sp>
+      <p:sp>
+        <p:nvSpPr>
+          <p:cNvPr id="3" name="Rectangle 2"/>
+          <p:cNvSpPr/>
+          <p:nvPr/>
+        </p:nvSpPr>
+        <p:spPr>
+          <a:xfrm>
+            <a:off x="3347864" y="3861048"/>
+            <a:ext cx="1152128" cy="1080120"/>
+          </a:xfrm>
+          <a:prstGeom prst="rect">
+            <a:avLst/>
+          </a:prstGeom>
+          <a:solidFill>
+            <a:schemeClr val="bg1"/>
+          </a:solidFill>
+          <a:ln>
+            <a:noFill/>
+          </a:ln>
+        </p:spPr>
+        <p:style>
+          <a:lnRef idx="2">
+            <a:schemeClr val="accent1">
+              <a:shade val="50000"/>
+            </a:schemeClr>
+          </a:lnRef>
+          <a:fillRef idx="1">
+            <a:schemeClr val="accent1"/>
+          </a:fillRef>
+          <a:effectRef idx="0">
+            <a:schemeClr val="accent1"/>
+          </a:effectRef>
+          <a:fontRef idx="minor">
+            <a:schemeClr val="lt1"/>
+          </a:fontRef>
+        </p:style>
+        <p:txBody>
+          <a:bodyPr rtlCol="0" anchor="ctr"/>
+          <a:lstStyle/>
+          <a:p>
+            <a:pPr algn="ctr"/>
+            <a:endParaRPr lang="en-US"/>
+          </a:p>
+        </p:txBody>
+      </p:sp>
+      <p:sp>
+        <p:nvSpPr>
+          <p:cNvPr id="9" name="Rectangle 11"/>
+          <p:cNvSpPr>
+            <a:spLocks noChangeArrowheads="1"/>
+          </p:cNvSpPr>
+          <p:nvPr/>
+        </p:nvSpPr>
+        <p:spPr bwMode="auto">
+          <a:xfrm>
+            <a:off x="1763688" y="4344114"/>
+            <a:ext cx="3643312" cy="923330"/>
+          </a:xfrm>
+          <a:prstGeom prst="rect">
+            <a:avLst/>
+          </a:prstGeom>
+          <a:noFill/>
+          <a:ln>
+            <a:noFill/>
+          </a:ln>
+          <a:extLst>
+            <a:ext uri="{909E8E84-426E-40DD-AFC4-6F175D3DCCD1}">
+              <a14:hiddenFill xmlns:a14="http://schemas.microsoft.com/office/drawing/2010/main">
+                <a:solidFill>
+                  <a:srgbClr val="FFFFFF"/>
+                </a:solidFill>
+              </a14:hiddenFill>
+            </a:ext>
+            <a:ext uri="{91240B29-F687-4F45-9708-019B960494DF}">
+              <a14:hiddenLine xmlns:a14="http://schemas.microsoft.com/office/drawing/2010/main" w="9525">
+                <a:solidFill>
+                  <a:srgbClr val="000000"/>
+                </a:solidFill>
+                <a:miter lim="800000"/>
+                <a:headEnd/>
+                <a:tailEnd/>
+              </a14:hiddenLine>
+            </a:ext>
+          </a:extLst>
+        </p:spPr>
+        <p:txBody>
+          <a:bodyPr>
+            <a:spAutoFit/>
+          </a:bodyPr>
+          <a:lstStyle>
+            <a:lvl1pPr>
+              <a:spcBef>
+                <a:spcPts val="600"/>
+              </a:spcBef>
+              <a:buClr>
+                <a:schemeClr val="accent1"/>
+              </a:buClr>
+              <a:buSzPct val="80000"/>
+              <a:buFont typeface="Wingdings 2" charset="2"/>
+              <a:buChar char=""/>
+              <a:defRPr sz="3200">
+                <a:solidFill>
+                  <a:schemeClr val="tx1"/>
+                </a:solidFill>
+                <a:latin typeface="Gill Sans MT" charset="0"/>
+                <a:ea typeface="华文中宋" charset="-122"/>
+              </a:defRPr>
+            </a:lvl1pPr>
+            <a:lvl2pPr marL="742950" indent="-285750">
+              <a:spcBef>
+                <a:spcPts val="550"/>
+              </a:spcBef>
+              <a:buClr>
+                <a:schemeClr val="accent1"/>
+              </a:buClr>
+              <a:buFont typeface="Verdana" charset="0"/>
+              <a:buChar char="◦"/>
+              <a:defRPr sz="2800">
+                <a:solidFill>
+                  <a:schemeClr val="tx1"/>
+                </a:solidFill>
+                <a:latin typeface="Gill Sans MT" charset="0"/>
+                <a:ea typeface="华文中宋" charset="-122"/>
+              </a:defRPr>
+            </a:lvl2pPr>
+            <a:lvl3pPr marL="1143000" indent="-228600">
+              <a:spcBef>
+                <a:spcPct val="20000"/>
+              </a:spcBef>
+              <a:buClr>
+                <a:schemeClr val="accent2"/>
+              </a:buClr>
+              <a:buFont typeface="Wingdings 2" charset="2"/>
+              <a:buChar char=""/>
+              <a:defRPr sz="2400">
+                <a:solidFill>
+                  <a:schemeClr val="tx1"/>
+                </a:solidFill>
+                <a:latin typeface="Gill Sans MT" charset="0"/>
+                <a:ea typeface="华文中宋" charset="-122"/>
+              </a:defRPr>
+            </a:lvl3pPr>
+            <a:lvl4pPr marL="1600200" indent="-228600">
+              <a:spcBef>
+                <a:spcPct val="20000"/>
+              </a:spcBef>
+              <a:buClr>
+                <a:srgbClr val="9BBB59"/>
+              </a:buClr>
+              <a:buFont typeface="Wingdings 2" charset="2"/>
+              <a:buChar char=""/>
+              <a:defRPr sz="2000">
+                <a:solidFill>
+                  <a:schemeClr val="tx1"/>
+                </a:solidFill>
+                <a:latin typeface="Gill Sans MT" charset="0"/>
+                <a:ea typeface="华文中宋" charset="-122"/>
+              </a:defRPr>
+            </a:lvl4pPr>
+            <a:lvl5pPr marL="2057400" indent="-228600">
+              <a:spcBef>
+                <a:spcPct val="20000"/>
+              </a:spcBef>
+              <a:buClr>
+                <a:srgbClr val="8064A2"/>
+              </a:buClr>
+              <a:buFont typeface="Wingdings 2" charset="2"/>
+              <a:buChar char=""/>
+              <a:defRPr sz="2000">
+                <a:solidFill>
+                  <a:schemeClr val="tx1"/>
+                </a:solidFill>
+                <a:latin typeface="Gill Sans MT" charset="0"/>
+                <a:ea typeface="华文中宋" charset="-122"/>
+              </a:defRPr>
+            </a:lvl5pPr>
+            <a:lvl6pPr marL="2514600" indent="-228600" eaLnBrk="0" fontAlgn="base" hangingPunct="0">
+              <a:spcBef>
+                <a:spcPct val="20000"/>
+              </a:spcBef>
+              <a:spcAft>
+                <a:spcPct val="0"/>
+              </a:spcAft>
+              <a:buClr>
+                <a:srgbClr val="8064A2"/>
+              </a:buClr>
+              <a:buFont typeface="Wingdings 2" charset="2"/>
+              <a:buChar char=""/>
+              <a:defRPr sz="2000">
+                <a:solidFill>
+                  <a:schemeClr val="tx1"/>
+                </a:solidFill>
+                <a:latin typeface="Gill Sans MT" charset="0"/>
+                <a:ea typeface="华文中宋" charset="-122"/>
+              </a:defRPr>
+            </a:lvl6pPr>
+            <a:lvl7pPr marL="2971800" indent="-228600" eaLnBrk="0" fontAlgn="base" hangingPunct="0">
+              <a:spcBef>
+                <a:spcPct val="20000"/>
+              </a:spcBef>
+              <a:spcAft>
+                <a:spcPct val="0"/>
+              </a:spcAft>
+              <a:buClr>
+                <a:srgbClr val="8064A2"/>
+              </a:buClr>
+              <a:buFont typeface="Wingdings 2" charset="2"/>
+              <a:buChar char=""/>
+              <a:defRPr sz="2000">
+                <a:solidFill>
+                  <a:schemeClr val="tx1"/>
+                </a:solidFill>
+                <a:latin typeface="Gill Sans MT" charset="0"/>
+                <a:ea typeface="华文中宋" charset="-122"/>
+              </a:defRPr>
+            </a:lvl7pPr>
+            <a:lvl8pPr marL="3429000" indent="-228600" eaLnBrk="0" fontAlgn="base" hangingPunct="0">
+              <a:spcBef>
+                <a:spcPct val="20000"/>
+              </a:spcBef>
+              <a:spcAft>
+                <a:spcPct val="0"/>
+              </a:spcAft>
+              <a:buClr>
+                <a:srgbClr val="8064A2"/>
+              </a:buClr>
+              <a:buFont typeface="Wingdings 2" charset="2"/>
+              <a:buChar char=""/>
+              <a:defRPr sz="2000">
+                <a:solidFill>
+                  <a:schemeClr val="tx1"/>
+                </a:solidFill>
+                <a:latin typeface="Gill Sans MT" charset="0"/>
+                <a:ea typeface="华文中宋" charset="-122"/>
+              </a:defRPr>
+            </a:lvl8pPr>
+            <a:lvl9pPr marL="3886200" indent="-228600" eaLnBrk="0" fontAlgn="base" hangingPunct="0">
+              <a:spcBef>
+                <a:spcPct val="20000"/>
+              </a:spcBef>
+              <a:spcAft>
+                <a:spcPct val="0"/>
+              </a:spcAft>
+              <a:buClr>
+                <a:srgbClr val="8064A2"/>
+              </a:buClr>
+              <a:buFont typeface="Wingdings 2" charset="2"/>
+              <a:buChar char=""/>
+              <a:defRPr sz="2000">
+                <a:solidFill>
+                  <a:schemeClr val="tx1"/>
+                </a:solidFill>
+                <a:latin typeface="Gill Sans MT" charset="0"/>
+                <a:ea typeface="华文中宋" charset="-122"/>
+              </a:defRPr>
+            </a:lvl9pPr>
+          </a:lstStyle>
+          <a:p>
+            <a:pPr eaLnBrk="1" hangingPunct="1">
+              <a:spcBef>
+                <a:spcPct val="0"/>
+              </a:spcBef>
+              <a:buClrTx/>
+              <a:buSzTx/>
+              <a:buFontTx/>
+              <a:buNone/>
+            </a:pPr>
+            <a:r>
+              <a:rPr lang="en-US" altLang="zh-CN" sz="1800" dirty="0" smtClean="0">
+                <a:solidFill>
+                  <a:srgbClr val="FF0000"/>
+                </a:solidFill>
+                <a:latin typeface="Arial" charset="0"/>
+                <a:ea typeface="宋体" charset="-122"/>
+              </a:rPr>
+              <a:t>All</a:t>
+            </a:r>
+            <a:r>
+              <a:rPr lang="zh-CN" altLang="en-US" sz="1800" dirty="0" smtClean="0">
+                <a:solidFill>
+                  <a:srgbClr val="FF0000"/>
+                </a:solidFill>
+                <a:latin typeface="Arial" charset="0"/>
+                <a:ea typeface="宋体" charset="-122"/>
+              </a:rPr>
+              <a:t> </a:t>
+            </a:r>
+            <a:r>
+              <a:rPr lang="en-US" altLang="zh-CN" sz="1800" dirty="0" smtClean="0">
+                <a:solidFill>
+                  <a:srgbClr val="FF0000"/>
+                </a:solidFill>
+                <a:latin typeface="Arial" charset="0"/>
+                <a:ea typeface="宋体" charset="-122"/>
+              </a:rPr>
+              <a:t>participants</a:t>
+            </a:r>
+            <a:r>
+              <a:rPr lang="zh-CN" altLang="en-US" sz="1800" dirty="0" smtClean="0">
+                <a:solidFill>
+                  <a:srgbClr val="FF0000"/>
+                </a:solidFill>
+                <a:latin typeface="Arial" charset="0"/>
+                <a:ea typeface="宋体" charset="-122"/>
+              </a:rPr>
+              <a:t> </a:t>
+            </a:r>
+            <a:r>
+              <a:rPr lang="en-US" altLang="zh-CN" sz="1800" dirty="0" smtClean="0">
+                <a:solidFill>
+                  <a:srgbClr val="FF0000"/>
+                </a:solidFill>
+                <a:latin typeface="Arial" charset="0"/>
+                <a:ea typeface="宋体" charset="-122"/>
+              </a:rPr>
+              <a:t>are</a:t>
+            </a:r>
+            <a:r>
+              <a:rPr lang="zh-CN" altLang="en-US" sz="1800" dirty="0" smtClean="0">
+                <a:solidFill>
+                  <a:srgbClr val="FF0000"/>
+                </a:solidFill>
+                <a:latin typeface="Arial" charset="0"/>
+                <a:ea typeface="宋体" charset="-122"/>
+              </a:rPr>
+              <a:t> </a:t>
+            </a:r>
+            <a:r>
+              <a:rPr lang="en-US" altLang="zh-CN" sz="1800" dirty="0" smtClean="0">
+                <a:solidFill>
+                  <a:srgbClr val="FF0000"/>
+                </a:solidFill>
+                <a:latin typeface="Arial" charset="0"/>
+                <a:ea typeface="宋体" charset="-122"/>
+              </a:rPr>
+              <a:t>in</a:t>
+            </a:r>
+            <a:r>
+              <a:rPr lang="zh-CN" altLang="en-US" sz="1800" dirty="0" smtClean="0">
+                <a:solidFill>
+                  <a:srgbClr val="FF0000"/>
+                </a:solidFill>
+                <a:latin typeface="Arial" charset="0"/>
+                <a:ea typeface="宋体" charset="-122"/>
+              </a:rPr>
+              <a:t> </a:t>
+            </a:r>
+            <a:r>
+              <a:rPr lang="en-US" altLang="zh-CN" sz="1800" dirty="0" smtClean="0">
+                <a:solidFill>
+                  <a:srgbClr val="FF0000"/>
+                </a:solidFill>
+                <a:latin typeface="Arial" charset="0"/>
+                <a:ea typeface="宋体" charset="-122"/>
+              </a:rPr>
+              <a:t>W</a:t>
+            </a:r>
+            <a:r>
+              <a:rPr lang="zh-CN" altLang="en-US" sz="1800" dirty="0" smtClean="0">
+                <a:solidFill>
+                  <a:srgbClr val="FF0000"/>
+                </a:solidFill>
+                <a:latin typeface="Arial" charset="0"/>
+                <a:ea typeface="宋体" charset="-122"/>
+              </a:rPr>
+              <a:t> </a:t>
+            </a:r>
+            <a:r>
+              <a:rPr lang="en-US" altLang="zh-CN" sz="1800" dirty="0" smtClean="0">
+                <a:solidFill>
+                  <a:srgbClr val="FF0000"/>
+                </a:solidFill>
+                <a:latin typeface="Arial" charset="0"/>
+                <a:ea typeface="宋体" charset="-122"/>
+              </a:rPr>
+              <a:t>state</a:t>
+            </a:r>
+            <a:r>
+              <a:rPr lang="zh-CN" altLang="en-US" sz="1800" dirty="0" smtClean="0">
+                <a:solidFill>
+                  <a:srgbClr val="FF0000"/>
+                </a:solidFill>
+                <a:latin typeface="Arial" charset="0"/>
+                <a:ea typeface="宋体" charset="-122"/>
+              </a:rPr>
+              <a:t> </a:t>
+            </a:r>
+            <a:r>
+              <a:rPr lang="zh-CN" altLang="en-US" sz="1800" dirty="0" smtClean="0">
+                <a:solidFill>
+                  <a:srgbClr val="FF0000"/>
+                </a:solidFill>
+                <a:latin typeface="Arial" charset="0"/>
+                <a:ea typeface="宋体" charset="-122"/>
+                <a:sym typeface="Wingdings"/>
+              </a:rPr>
+              <a:t> </a:t>
+            </a:r>
+            <a:endParaRPr lang="en-US" altLang="zh-CN" sz="1800" dirty="0" smtClean="0">
+              <a:solidFill>
+                <a:srgbClr val="FF0000"/>
+              </a:solidFill>
+              <a:latin typeface="Arial" charset="0"/>
+              <a:ea typeface="宋体" charset="-122"/>
+              <a:sym typeface="Wingdings"/>
+            </a:endParaRPr>
+          </a:p>
+          <a:p>
+            <a:pPr eaLnBrk="1" hangingPunct="1">
+              <a:spcBef>
+                <a:spcPct val="0"/>
+              </a:spcBef>
+              <a:buClrTx/>
+              <a:buSzTx/>
+              <a:buFontTx/>
+              <a:buNone/>
+            </a:pPr>
+            <a:r>
+              <a:rPr lang="zh-CN" altLang="en-US" sz="1800" dirty="0">
+                <a:solidFill>
+                  <a:srgbClr val="FF0000"/>
+                </a:solidFill>
+                <a:latin typeface="Arial" charset="0"/>
+                <a:ea typeface="宋体" charset="-122"/>
+                <a:sym typeface="Wingdings"/>
+              </a:rPr>
+              <a:t> </a:t>
+            </a:r>
+            <a:r>
+              <a:rPr lang="zh-CN" altLang="en-US" sz="1800" dirty="0" smtClean="0">
+                <a:solidFill>
+                  <a:srgbClr val="FF0000"/>
+                </a:solidFill>
+                <a:latin typeface="Arial" charset="0"/>
+                <a:ea typeface="宋体" charset="-122"/>
+                <a:sym typeface="Wingdings"/>
+              </a:rPr>
+              <a:t> </a:t>
+            </a:r>
+            <a:r>
+              <a:rPr lang="en-US" altLang="zh-CN" sz="1800" dirty="0">
+                <a:solidFill>
+                  <a:srgbClr val="FF0000"/>
+                </a:solidFill>
+                <a:latin typeface="Arial" charset="0"/>
+                <a:ea typeface="宋体" charset="-122"/>
+                <a:sym typeface="Wingdings"/>
+              </a:rPr>
+              <a:t>it could safely be inferred that no commit had happened</a:t>
+            </a:r>
+            <a:endParaRPr lang="zh-CN" altLang="en-US" sz="1800" dirty="0">
+              <a:solidFill>
+                <a:srgbClr val="FF0000"/>
+              </a:solidFill>
+              <a:latin typeface="Arial" charset="0"/>
+              <a:ea typeface="宋体" charset="-122"/>
+            </a:endParaRPr>
+          </a:p>
+        </p:txBody>
+      </p:sp>
+    </p:spTree>
+    <p:extLst>
+      <p:ext uri="{BB962C8B-B14F-4D97-AF65-F5344CB8AC3E}">
+        <p14:creationId xmlns:p14="http://schemas.microsoft.com/office/powerpoint/2010/main" val="1397708834"/>
+      </p:ext>
+    </p:extLst>
+  </p:cSld>
+  <p:clrMapOvr>
+    <a:masterClrMapping/>
+  </p:clrMapOvr>
+  <p:timing>
+    <p:tnLst>
+      <p:par>
+        <p:cTn id="1" dur="indefinite" restart="never" nodeType="tmRoot"/>
+      </p:par>
+    </p:tnLst>
+  </p:timing>
+</p:sld>
+</file>
+
+<file path=ppt/slides/slide34.xml><?xml version="1.0" encoding="utf-8"?>
+<p:sld xmlns:a="http://schemas.openxmlformats.org/drawingml/2006/main" xmlns:r="http://schemas.openxmlformats.org/officeDocument/2006/relationships" xmlns:p="http://schemas.openxmlformats.org/presentationml/2006/main">
+  <p:cSld>
+    <p:spTree>
+      <p:nvGrpSpPr>
+        <p:cNvPr id="1" name=""/>
+        <p:cNvGrpSpPr/>
+        <p:nvPr/>
+      </p:nvGrpSpPr>
+      <p:grpSpPr>
+        <a:xfrm>
+          <a:off x="0" y="0"/>
+          <a:ext cx="0" cy="0"/>
+          <a:chOff x="0" y="0"/>
+          <a:chExt cx="0" cy="0"/>
+        </a:xfrm>
+      </p:grpSpPr>
+      <p:pic>
+        <p:nvPicPr>
+          <p:cNvPr id="8" name="Picture 7"/>
+          <p:cNvPicPr>
+            <a:picLocks noChangeAspect="1"/>
+          </p:cNvPicPr>
+          <p:nvPr/>
+        </p:nvPicPr>
+        <p:blipFill>
+          <a:blip r:embed="rId2">
+            <a:extLst>
+              <a:ext uri="{28A0092B-C50C-407E-A947-70E740481C1C}">
+                <a14:useLocalDpi xmlns:a14="http://schemas.microsoft.com/office/drawing/2010/main" val="0"/>
+              </a:ext>
+            </a:extLst>
+          </a:blip>
+          <a:stretch>
+            <a:fillRect/>
+          </a:stretch>
+        </p:blipFill>
+        <p:spPr>
+          <a:xfrm>
+            <a:off x="3144754" y="2636912"/>
+            <a:ext cx="4018046" cy="3384376"/>
+          </a:xfrm>
+          <a:prstGeom prst="rect">
+            <a:avLst/>
+          </a:prstGeom>
+        </p:spPr>
+      </p:pic>
+      <p:sp>
+        <p:nvSpPr>
+          <p:cNvPr id="2" name="Title 1"/>
+          <p:cNvSpPr>
+            <a:spLocks noGrp="1"/>
+          </p:cNvSpPr>
+          <p:nvPr>
+            <p:ph type="title"/>
+          </p:nvPr>
+        </p:nvSpPr>
+        <p:spPr/>
+        <p:txBody>
+          <a:bodyPr/>
+          <a:lstStyle/>
+          <a:p>
+            <a:pPr eaLnBrk="1" hangingPunct="1">
+              <a:defRPr/>
+            </a:pPr>
+            <a:r>
+              <a:rPr lang="en-US" dirty="0" smtClean="0"/>
+              <a:t>Problem with 2PC</a:t>
+            </a:r>
+            <a:endParaRPr lang="zh-CN" altLang="en-US" dirty="0"/>
+          </a:p>
+        </p:txBody>
+      </p:sp>
+      <p:sp>
+        <p:nvSpPr>
+          <p:cNvPr id="20482" name="Content Placeholder 2"/>
+          <p:cNvSpPr>
+            <a:spLocks noGrp="1"/>
+          </p:cNvSpPr>
+          <p:nvPr>
+            <p:ph idx="1"/>
+          </p:nvPr>
+        </p:nvSpPr>
+        <p:spPr/>
+        <p:txBody>
+          <a:bodyPr/>
+          <a:lstStyle/>
+          <a:p>
+            <a:pPr eaLnBrk="1" hangingPunct="1"/>
+            <a:r>
+              <a:rPr lang="en-US" altLang="zh-CN" dirty="0"/>
+              <a:t>2PC is </a:t>
+            </a:r>
+            <a:r>
+              <a:rPr lang="en-US" altLang="zh-CN" dirty="0">
+                <a:solidFill>
+                  <a:srgbClr val="FF0000"/>
+                </a:solidFill>
+              </a:rPr>
+              <a:t>inherently blocking </a:t>
+            </a:r>
+            <a:r>
+              <a:rPr lang="en-US" altLang="zh-CN" dirty="0" smtClean="0"/>
+              <a:t>!</a:t>
+            </a:r>
+          </a:p>
+          <a:p>
+            <a:pPr eaLnBrk="1" hangingPunct="1"/>
+            <a:r>
+              <a:rPr lang="en-US" altLang="zh-CN" dirty="0" smtClean="0"/>
+              <a:t>However,</a:t>
+            </a:r>
+            <a:r>
+              <a:rPr lang="zh-CN" altLang="en-US" dirty="0" smtClean="0"/>
+              <a:t> </a:t>
+            </a:r>
+            <a:r>
+              <a:rPr lang="en-US" altLang="zh-CN" dirty="0" smtClean="0"/>
+              <a:t>let</a:t>
+            </a:r>
+            <a:r>
+              <a:rPr lang="zh-CN" altLang="en-US" dirty="0" smtClean="0"/>
+              <a:t> </a:t>
+            </a:r>
+            <a:r>
+              <a:rPr lang="en-US" altLang="zh-CN" dirty="0" smtClean="0"/>
+              <a:t>us</a:t>
+            </a:r>
+            <a:r>
+              <a:rPr lang="zh-CN" altLang="en-US" dirty="0" smtClean="0"/>
+              <a:t> </a:t>
+            </a:r>
+            <a:r>
+              <a:rPr lang="en-US" altLang="zh-CN" dirty="0" smtClean="0"/>
+              <a:t>consider</a:t>
+            </a:r>
+            <a:r>
+              <a:rPr lang="zh-CN" altLang="en-US" smtClean="0"/>
+              <a:t> </a:t>
+            </a:r>
+            <a:r>
+              <a:rPr lang="en-US" altLang="zh-CN" smtClean="0"/>
+              <a:t>Example</a:t>
+            </a:r>
+            <a:r>
+              <a:rPr lang="zh-CN" altLang="en-US" dirty="0" smtClean="0"/>
+              <a:t> </a:t>
+            </a:r>
+            <a:r>
+              <a:rPr lang="en-US" altLang="zh-CN" dirty="0" smtClean="0"/>
+              <a:t>2</a:t>
+            </a:r>
+            <a:endParaRPr lang="zh-CN" altLang="en-US" dirty="0"/>
+          </a:p>
+        </p:txBody>
+      </p:sp>
+      <p:sp>
+        <p:nvSpPr>
+          <p:cNvPr id="4" name="Footer Placeholder 3"/>
+          <p:cNvSpPr>
+            <a:spLocks noGrp="1"/>
+          </p:cNvSpPr>
+          <p:nvPr>
+            <p:ph type="ftr" sz="quarter" idx="11"/>
+          </p:nvPr>
+        </p:nvSpPr>
+        <p:spPr/>
+        <p:txBody>
+          <a:bodyPr/>
+          <a:lstStyle/>
+          <a:p>
+            <a:pPr>
+              <a:defRPr/>
+            </a:pPr>
+            <a:r>
+              <a:rPr lang="en-US" altLang="zh-CN" smtClean="0"/>
+              <a:t>Distributed Database Systems</a:t>
+            </a:r>
+            <a:endParaRPr lang="zh-CN" altLang="en-US"/>
+          </a:p>
+        </p:txBody>
+      </p:sp>
+      <p:sp>
+        <p:nvSpPr>
+          <p:cNvPr id="20484" name="Slide Number Placeholder 4"/>
+          <p:cNvSpPr>
+            <a:spLocks noGrp="1"/>
+          </p:cNvSpPr>
+          <p:nvPr>
+            <p:ph type="sldNum" sz="quarter" idx="12"/>
+          </p:nvPr>
+        </p:nvSpPr>
+        <p:spPr bwMode="auto">
+          <a:noFill/>
+          <a:extLst>
+            <a:ext uri="{909E8E84-426E-40DD-AFC4-6F175D3DCCD1}">
+              <a14:hiddenFill xmlns:a14="http://schemas.microsoft.com/office/drawing/2010/main">
+                <a:solidFill>
+                  <a:srgbClr val="FFFFFF"/>
+                </a:solidFill>
+              </a14:hiddenFill>
+            </a:ext>
+            <a:ext uri="{91240B29-F687-4F45-9708-019B960494DF}">
+              <a14:hiddenLine xmlns:a14="http://schemas.microsoft.com/office/drawing/2010/main" w="9525">
+                <a:solidFill>
+                  <a:srgbClr val="000000"/>
+                </a:solidFill>
+                <a:miter lim="800000"/>
+                <a:headEnd/>
+                <a:tailEnd/>
+              </a14:hiddenLine>
+            </a:ext>
+          </a:extLst>
+        </p:spPr>
+        <p:txBody>
+          <a:bodyPr/>
+          <a:lstStyle>
+            <a:lvl1pPr>
+              <a:spcBef>
+                <a:spcPts val="600"/>
+              </a:spcBef>
+              <a:buClr>
+                <a:schemeClr val="accent1"/>
+              </a:buClr>
+              <a:buSzPct val="80000"/>
+              <a:buFont typeface="Wingdings 2" charset="2"/>
+              <a:buChar char=""/>
+              <a:defRPr sz="3200">
+                <a:solidFill>
+                  <a:schemeClr val="tx1"/>
+                </a:solidFill>
+                <a:latin typeface="Gill Sans MT" charset="0"/>
+                <a:ea typeface="华文中宋" charset="-122"/>
+              </a:defRPr>
+            </a:lvl1pPr>
+            <a:lvl2pPr marL="742950" indent="-285750">
+              <a:spcBef>
+                <a:spcPts val="550"/>
+              </a:spcBef>
+              <a:buClr>
+                <a:schemeClr val="accent1"/>
+              </a:buClr>
+              <a:buFont typeface="Verdana" charset="0"/>
+              <a:buChar char="◦"/>
+              <a:defRPr sz="2800">
+                <a:solidFill>
+                  <a:schemeClr val="tx1"/>
+                </a:solidFill>
+                <a:latin typeface="Gill Sans MT" charset="0"/>
+                <a:ea typeface="华文中宋" charset="-122"/>
+              </a:defRPr>
+            </a:lvl2pPr>
+            <a:lvl3pPr marL="1143000" indent="-228600">
+              <a:spcBef>
+                <a:spcPct val="20000"/>
+              </a:spcBef>
+              <a:buClr>
+                <a:schemeClr val="accent2"/>
+              </a:buClr>
+              <a:buFont typeface="Wingdings 2" charset="2"/>
+              <a:buChar char=""/>
+              <a:defRPr sz="2400">
+                <a:solidFill>
+                  <a:schemeClr val="tx1"/>
+                </a:solidFill>
+                <a:latin typeface="Gill Sans MT" charset="0"/>
+                <a:ea typeface="华文中宋" charset="-122"/>
+              </a:defRPr>
+            </a:lvl3pPr>
+            <a:lvl4pPr marL="1600200" indent="-228600">
+              <a:spcBef>
+                <a:spcPct val="20000"/>
+              </a:spcBef>
+              <a:buClr>
+                <a:srgbClr val="9BBB59"/>
+              </a:buClr>
+              <a:buFont typeface="Wingdings 2" charset="2"/>
+              <a:buChar char=""/>
+              <a:defRPr sz="2000">
+                <a:solidFill>
+                  <a:schemeClr val="tx1"/>
+                </a:solidFill>
+                <a:latin typeface="Gill Sans MT" charset="0"/>
+                <a:ea typeface="华文中宋" charset="-122"/>
+              </a:defRPr>
+            </a:lvl4pPr>
+            <a:lvl5pPr marL="2057400" indent="-228600">
+              <a:spcBef>
+                <a:spcPct val="20000"/>
+              </a:spcBef>
+              <a:buClr>
+                <a:srgbClr val="8064A2"/>
+              </a:buClr>
+              <a:buFont typeface="Wingdings 2" charset="2"/>
+              <a:buChar char=""/>
+              <a:defRPr sz="2000">
+                <a:solidFill>
+                  <a:schemeClr val="tx1"/>
+                </a:solidFill>
+                <a:latin typeface="Gill Sans MT" charset="0"/>
+                <a:ea typeface="华文中宋" charset="-122"/>
+              </a:defRPr>
+            </a:lvl5pPr>
+            <a:lvl6pPr marL="2514600" indent="-228600" eaLnBrk="0" fontAlgn="base" hangingPunct="0">
+              <a:spcBef>
+                <a:spcPct val="20000"/>
+              </a:spcBef>
+              <a:spcAft>
+                <a:spcPct val="0"/>
+              </a:spcAft>
+              <a:buClr>
+                <a:srgbClr val="8064A2"/>
+              </a:buClr>
+              <a:buFont typeface="Wingdings 2" charset="2"/>
+              <a:buChar char=""/>
+              <a:defRPr sz="2000">
+                <a:solidFill>
+                  <a:schemeClr val="tx1"/>
+                </a:solidFill>
+                <a:latin typeface="Gill Sans MT" charset="0"/>
+                <a:ea typeface="华文中宋" charset="-122"/>
+              </a:defRPr>
+            </a:lvl6pPr>
+            <a:lvl7pPr marL="2971800" indent="-228600" eaLnBrk="0" fontAlgn="base" hangingPunct="0">
+              <a:spcBef>
+                <a:spcPct val="20000"/>
+              </a:spcBef>
+              <a:spcAft>
+                <a:spcPct val="0"/>
+              </a:spcAft>
+              <a:buClr>
+                <a:srgbClr val="8064A2"/>
+              </a:buClr>
+              <a:buFont typeface="Wingdings 2" charset="2"/>
+              <a:buChar char=""/>
+              <a:defRPr sz="2000">
+                <a:solidFill>
+                  <a:schemeClr val="tx1"/>
+                </a:solidFill>
+                <a:latin typeface="Gill Sans MT" charset="0"/>
+                <a:ea typeface="华文中宋" charset="-122"/>
+              </a:defRPr>
+            </a:lvl7pPr>
+            <a:lvl8pPr marL="3429000" indent="-228600" eaLnBrk="0" fontAlgn="base" hangingPunct="0">
+              <a:spcBef>
+                <a:spcPct val="20000"/>
+              </a:spcBef>
+              <a:spcAft>
+                <a:spcPct val="0"/>
+              </a:spcAft>
+              <a:buClr>
+                <a:srgbClr val="8064A2"/>
+              </a:buClr>
+              <a:buFont typeface="Wingdings 2" charset="2"/>
+              <a:buChar char=""/>
+              <a:defRPr sz="2000">
+                <a:solidFill>
+                  <a:schemeClr val="tx1"/>
+                </a:solidFill>
+                <a:latin typeface="Gill Sans MT" charset="0"/>
+                <a:ea typeface="华文中宋" charset="-122"/>
+              </a:defRPr>
+            </a:lvl8pPr>
+            <a:lvl9pPr marL="3886200" indent="-228600" eaLnBrk="0" fontAlgn="base" hangingPunct="0">
+              <a:spcBef>
+                <a:spcPct val="20000"/>
+              </a:spcBef>
+              <a:spcAft>
+                <a:spcPct val="0"/>
+              </a:spcAft>
+              <a:buClr>
+                <a:srgbClr val="8064A2"/>
+              </a:buClr>
+              <a:buFont typeface="Wingdings 2" charset="2"/>
+              <a:buChar char=""/>
+              <a:defRPr sz="2000">
+                <a:solidFill>
+                  <a:schemeClr val="tx1"/>
+                </a:solidFill>
+                <a:latin typeface="Gill Sans MT" charset="0"/>
+                <a:ea typeface="华文中宋" charset="-122"/>
+              </a:defRPr>
+            </a:lvl9pPr>
+          </a:lstStyle>
+          <a:p>
+            <a:pPr>
+              <a:spcBef>
+                <a:spcPct val="0"/>
+              </a:spcBef>
+              <a:buClrTx/>
+              <a:buSzTx/>
+              <a:buFontTx/>
+              <a:buNone/>
+            </a:pPr>
+            <a:fld id="{31AEEA37-93D8-1446-A270-BC81F37F9F03}" type="slidenum">
+              <a:rPr lang="zh-CN" altLang="en-US" sz="1200">
+                <a:solidFill>
+                  <a:srgbClr val="B4B1A0"/>
+                </a:solidFill>
+              </a:rPr>
+              <a:pPr>
+                <a:spcBef>
+                  <a:spcPct val="0"/>
+                </a:spcBef>
+                <a:buClrTx/>
+                <a:buSzTx/>
+                <a:buFontTx/>
+                <a:buNone/>
+              </a:pPr>
+              <a:t>34</a:t>
+            </a:fld>
+            <a:endParaRPr lang="zh-CN" altLang="en-US" sz="1200">
+              <a:solidFill>
+                <a:srgbClr val="B4B1A0"/>
+              </a:solidFill>
+            </a:endParaRPr>
+          </a:p>
+        </p:txBody>
+      </p:sp>
+    </p:spTree>
+    <p:extLst>
+      <p:ext uri="{BB962C8B-B14F-4D97-AF65-F5344CB8AC3E}">
+        <p14:creationId xmlns:p14="http://schemas.microsoft.com/office/powerpoint/2010/main" val="1774587944"/>
+      </p:ext>
+    </p:extLst>
+  </p:cSld>
+  <p:clrMapOvr>
+    <a:masterClrMapping/>
+  </p:clrMapOvr>
+  <p:timing>
+    <p:tnLst>
+      <p:par>
+        <p:cTn id="1" dur="indefinite" restart="never" nodeType="tmRoot"/>
+      </p:par>
+    </p:tnLst>
+  </p:timing>
+</p:sld>
+</file>
+
+<file path=ppt/slides/slide35.xml><?xml version="1.0" encoding="utf-8"?>
+<p:sld xmlns:a="http://schemas.openxmlformats.org/drawingml/2006/main" xmlns:r="http://schemas.openxmlformats.org/officeDocument/2006/relationships" xmlns:p="http://schemas.openxmlformats.org/presentationml/2006/main">
+  <p:cSld>
+    <p:spTree>
+      <p:nvGrpSpPr>
+        <p:cNvPr id="1" name=""/>
+        <p:cNvGrpSpPr/>
+        <p:nvPr/>
+      </p:nvGrpSpPr>
+      <p:grpSpPr>
+        <a:xfrm>
+          <a:off x="0" y="0"/>
+          <a:ext cx="0" cy="0"/>
+          <a:chOff x="0" y="0"/>
+          <a:chExt cx="0" cy="0"/>
+        </a:xfrm>
+      </p:grpSpPr>
+      <p:sp>
+        <p:nvSpPr>
+          <p:cNvPr id="2" name="Title 1"/>
+          <p:cNvSpPr>
+            <a:spLocks noGrp="1"/>
+          </p:cNvSpPr>
+          <p:nvPr>
+            <p:ph type="title"/>
+          </p:nvPr>
+        </p:nvSpPr>
+        <p:spPr/>
+        <p:txBody>
+          <a:bodyPr>
+            <a:normAutofit/>
+          </a:bodyPr>
+          <a:lstStyle/>
+          <a:p>
+            <a:r>
+              <a:rPr lang="en-US" dirty="0"/>
+              <a:t>2PC is </a:t>
+            </a:r>
+            <a:r>
+              <a:rPr lang="en-US" dirty="0" smtClean="0"/>
+              <a:t>blocking !</a:t>
+            </a:r>
+            <a:endParaRPr lang="en-US" dirty="0"/>
+          </a:p>
+        </p:txBody>
+      </p:sp>
+      <p:sp>
+        <p:nvSpPr>
+          <p:cNvPr id="3" name="Content Placeholder 2"/>
+          <p:cNvSpPr>
+            <a:spLocks noGrp="1"/>
+          </p:cNvSpPr>
+          <p:nvPr>
+            <p:ph idx="1"/>
+          </p:nvPr>
+        </p:nvSpPr>
+        <p:spPr/>
+        <p:txBody>
+          <a:bodyPr/>
+          <a:lstStyle/>
+          <a:p>
+            <a:r>
+              <a:rPr lang="en-US" dirty="0"/>
+              <a:t>Case </a:t>
+            </a:r>
+            <a:r>
+              <a:rPr lang="en-US" dirty="0" smtClean="0"/>
+              <a:t>I</a:t>
+            </a:r>
+          </a:p>
+          <a:p>
+            <a:pPr lvl="1"/>
+            <a:r>
+              <a:rPr lang="en-US" dirty="0"/>
+              <a:t>P1⟶ </a:t>
+            </a:r>
+            <a:r>
+              <a:rPr lang="en-US" dirty="0" smtClean="0"/>
+              <a:t>W</a:t>
+            </a:r>
+          </a:p>
+          <a:p>
+            <a:pPr lvl="1"/>
+            <a:r>
+              <a:rPr lang="en-US" altLang="zh-CN" dirty="0" smtClean="0"/>
+              <a:t>C</a:t>
+            </a:r>
+            <a:r>
+              <a:rPr lang="en-US" dirty="0" smtClean="0"/>
+              <a:t>oordinator sent</a:t>
+            </a:r>
+            <a:r>
+              <a:rPr lang="zh-CN" altLang="en-US" dirty="0" smtClean="0"/>
+              <a:t> </a:t>
+            </a:r>
+            <a:r>
+              <a:rPr lang="en-US" dirty="0" smtClean="0"/>
+              <a:t>commits </a:t>
+            </a:r>
+          </a:p>
+          <a:p>
+            <a:pPr lvl="1"/>
+            <a:r>
+              <a:rPr lang="en-US" dirty="0" smtClean="0"/>
+              <a:t>P1</a:t>
+            </a:r>
+            <a:r>
+              <a:rPr lang="en-US" dirty="0"/>
+              <a:t>⟶ C</a:t>
+            </a:r>
+            <a:endParaRPr lang="en-US" dirty="0" smtClean="0"/>
+          </a:p>
+          <a:p>
+            <a:r>
+              <a:rPr lang="en-US" altLang="zh-CN" dirty="0" smtClean="0"/>
+              <a:t>Case</a:t>
+            </a:r>
+            <a:r>
+              <a:rPr lang="zh-CN" altLang="en-US" dirty="0" smtClean="0"/>
+              <a:t> </a:t>
+            </a:r>
+            <a:r>
+              <a:rPr lang="en-US" altLang="zh-CN" dirty="0" smtClean="0"/>
+              <a:t>II</a:t>
+            </a:r>
+          </a:p>
+          <a:p>
+            <a:pPr lvl="1"/>
+            <a:r>
+              <a:rPr lang="en-US" dirty="0"/>
+              <a:t>P1⟶ </a:t>
+            </a:r>
+            <a:r>
+              <a:rPr lang="en-US" altLang="zh-CN" dirty="0" smtClean="0"/>
+              <a:t>A</a:t>
+            </a:r>
+          </a:p>
+          <a:p>
+            <a:r>
+              <a:rPr lang="en-US" altLang="zh-CN" dirty="0"/>
+              <a:t>Operational</a:t>
+            </a:r>
+            <a:r>
+              <a:rPr lang="zh-CN" altLang="en-US" dirty="0"/>
+              <a:t> </a:t>
+            </a:r>
+            <a:r>
+              <a:rPr lang="en-US" altLang="zh-CN" dirty="0"/>
+              <a:t>participants</a:t>
+            </a:r>
+            <a:r>
+              <a:rPr lang="zh-CN" altLang="en-US" dirty="0"/>
+              <a:t> </a:t>
+            </a:r>
+            <a:r>
+              <a:rPr lang="en-US" dirty="0"/>
+              <a:t>P2, P3, P4 </a:t>
+            </a:r>
+            <a:r>
+              <a:rPr lang="en-US" altLang="zh-CN" dirty="0">
+                <a:solidFill>
+                  <a:srgbClr val="FF0000"/>
+                </a:solidFill>
+              </a:rPr>
+              <a:t>cannot</a:t>
+            </a:r>
+            <a:r>
+              <a:rPr lang="zh-CN" altLang="en-US" dirty="0">
+                <a:solidFill>
+                  <a:srgbClr val="FF0000"/>
+                </a:solidFill>
+              </a:rPr>
+              <a:t> </a:t>
+            </a:r>
+            <a:r>
+              <a:rPr lang="en-US" altLang="zh-CN" dirty="0">
+                <a:solidFill>
+                  <a:srgbClr val="FF0000"/>
+                </a:solidFill>
+              </a:rPr>
+              <a:t>properly terminate without waiting for the recovery of failed </a:t>
+            </a:r>
+            <a:r>
+              <a:rPr lang="en-US" altLang="zh-CN">
+                <a:solidFill>
+                  <a:srgbClr val="FF0000"/>
+                </a:solidFill>
+              </a:rPr>
+              <a:t>site</a:t>
+            </a:r>
+            <a:r>
+              <a:rPr lang="en-US" altLang="zh-CN" smtClean="0">
+                <a:solidFill>
+                  <a:srgbClr val="FF0000"/>
+                </a:solidFill>
+              </a:rPr>
+              <a:t>.</a:t>
+            </a:r>
+            <a:r>
+              <a:rPr lang="en-US" dirty="0"/>
+              <a:t/>
+            </a:r>
+            <a:br>
+              <a:rPr lang="en-US" dirty="0"/>
+            </a:br>
+            <a:endParaRPr lang="en-US" dirty="0"/>
+          </a:p>
+          <a:p>
+            <a:endParaRPr lang="en-US" dirty="0"/>
+          </a:p>
+        </p:txBody>
+      </p:sp>
+      <p:sp>
+        <p:nvSpPr>
+          <p:cNvPr id="4" name="Footer Placeholder 3"/>
+          <p:cNvSpPr>
+            <a:spLocks noGrp="1"/>
+          </p:cNvSpPr>
+          <p:nvPr>
+            <p:ph type="ftr" sz="quarter" idx="11"/>
+          </p:nvPr>
+        </p:nvSpPr>
+        <p:spPr/>
+        <p:txBody>
+          <a:bodyPr/>
+          <a:lstStyle/>
+          <a:p>
+            <a:pPr>
+              <a:defRPr/>
+            </a:pPr>
+            <a:r>
+              <a:rPr lang="en-US" altLang="zh-CN" smtClean="0"/>
+              <a:t>Distributed Database Systems</a:t>
+            </a:r>
+            <a:endParaRPr lang="zh-CN" altLang="en-US"/>
+          </a:p>
+        </p:txBody>
+      </p:sp>
+      <p:sp>
+        <p:nvSpPr>
+          <p:cNvPr id="5" name="Slide Number Placeholder 4"/>
+          <p:cNvSpPr>
+            <a:spLocks noGrp="1"/>
+          </p:cNvSpPr>
+          <p:nvPr>
+            <p:ph type="sldNum" sz="quarter" idx="12"/>
+          </p:nvPr>
+        </p:nvSpPr>
+        <p:spPr/>
+        <p:txBody>
+          <a:bodyPr/>
+          <a:lstStyle/>
+          <a:p>
+            <a:pPr>
+              <a:defRPr/>
+            </a:pPr>
+            <a:fld id="{07A5CAEE-885A-5D41-93DF-9DC29A9FE4F0}" type="slidenum">
+              <a:rPr lang="zh-CN" altLang="en-US" smtClean="0"/>
+              <a:pPr>
+                <a:defRPr/>
+              </a:pPr>
+              <a:t>35</a:t>
+            </a:fld>
+            <a:endParaRPr lang="zh-CN" altLang="en-US"/>
+          </a:p>
+        </p:txBody>
+      </p:sp>
+    </p:spTree>
+    <p:extLst>
+      <p:ext uri="{BB962C8B-B14F-4D97-AF65-F5344CB8AC3E}">
+        <p14:creationId xmlns:p14="http://schemas.microsoft.com/office/powerpoint/2010/main" val="775559359"/>
       </p:ext>
     </p:extLst>
   </p:cSld>
